--- a/Wprowadzenie do algorytmów/II. Wprowadzenie do algorytmów/Blockly Labirynt.pptx
+++ b/Wprowadzenie do algorytmów/II. Wprowadzenie do algorytmów/Blockly Labirynt.pptx
@@ -11,23 +11,23 @@
     <p:sldId id="256" r:id="rId2"/>
     <p:sldId id="257" r:id="rId3"/>
     <p:sldId id="258" r:id="rId4"/>
-    <p:sldId id="259" r:id="rId5"/>
-    <p:sldId id="266" r:id="rId6"/>
-    <p:sldId id="260" r:id="rId7"/>
-    <p:sldId id="267" r:id="rId8"/>
-    <p:sldId id="271" r:id="rId9"/>
-    <p:sldId id="261" r:id="rId10"/>
-    <p:sldId id="269" r:id="rId11"/>
-    <p:sldId id="262" r:id="rId12"/>
-    <p:sldId id="270" r:id="rId13"/>
-    <p:sldId id="263" r:id="rId14"/>
-    <p:sldId id="272" r:id="rId15"/>
-    <p:sldId id="273" r:id="rId16"/>
-    <p:sldId id="264" r:id="rId17"/>
-    <p:sldId id="274" r:id="rId18"/>
-    <p:sldId id="265" r:id="rId19"/>
-    <p:sldId id="275" r:id="rId20"/>
-    <p:sldId id="276" r:id="rId21"/>
+    <p:sldId id="266" r:id="rId5"/>
+    <p:sldId id="259" r:id="rId6"/>
+    <p:sldId id="267" r:id="rId7"/>
+    <p:sldId id="271" r:id="rId8"/>
+    <p:sldId id="260" r:id="rId9"/>
+    <p:sldId id="269" r:id="rId10"/>
+    <p:sldId id="261" r:id="rId11"/>
+    <p:sldId id="270" r:id="rId12"/>
+    <p:sldId id="262" r:id="rId13"/>
+    <p:sldId id="272" r:id="rId14"/>
+    <p:sldId id="273" r:id="rId15"/>
+    <p:sldId id="263" r:id="rId16"/>
+    <p:sldId id="274" r:id="rId17"/>
+    <p:sldId id="264" r:id="rId18"/>
+    <p:sldId id="275" r:id="rId19"/>
+    <p:sldId id="276" r:id="rId20"/>
+    <p:sldId id="265" r:id="rId21"/>
   </p:sldIdLst>
   <p:sldSz cx="9144000" cy="6858000" type="screen4x3"/>
   <p:notesSz cx="6858000" cy="9144000"/>
@@ -145,10 +145,6 @@
 </p:presentation>
 </file>
 
-<file path=ppt/revisionInfo.xml><?xml version="1.0" encoding="utf-8"?>
-<p1510:revInfo xmlns:a="http://schemas.openxmlformats.org/drawingml/2006/main" xmlns:r="http://schemas.openxmlformats.org/officeDocument/2006/relationships" xmlns:p1510="http://schemas.microsoft.com/office/powerpoint/2015/10/main"/>
-</file>
-
 <file path=ppt/notesMasters/notesMaster1.xml><?xml version="1.0" encoding="utf-8"?>
 <p:notesMaster xmlns:a="http://schemas.openxmlformats.org/drawingml/2006/main" xmlns:r="http://schemas.openxmlformats.org/officeDocument/2006/relationships" xmlns:p="http://schemas.openxmlformats.org/presentationml/2006/main">
   <p:cSld>
@@ -232,7 +228,7 @@
             <a:fld id="{FE99C238-BBD4-47FA-ADDF-FFB895C0A193}" type="datetimeFigureOut">
               <a:rPr lang="pl-PL" smtClean="0"/>
               <a:pPr/>
-              <a:t>08.11.2017</a:t>
+              <a:t>29.01.2019</a:t>
             </a:fld>
             <a:endParaRPr lang="pl-PL"/>
           </a:p>
@@ -677,7 +673,7 @@
             <a:fld id="{66221E02-25CB-4963-84BC-0813985E7D90}" type="datetimeFigureOut">
               <a:rPr lang="pl-PL" smtClean="0"/>
               <a:pPr/>
-              <a:t>08.11.2017</a:t>
+              <a:t>29.01.2019</a:t>
             </a:fld>
             <a:endParaRPr lang="pl-PL"/>
           </a:p>
@@ -842,7 +838,7 @@
             <a:fld id="{66221E02-25CB-4963-84BC-0813985E7D90}" type="datetimeFigureOut">
               <a:rPr lang="pl-PL" smtClean="0"/>
               <a:pPr/>
-              <a:t>08.11.2017</a:t>
+              <a:t>29.01.2019</a:t>
             </a:fld>
             <a:endParaRPr lang="pl-PL"/>
           </a:p>
@@ -1017,7 +1013,7 @@
             <a:fld id="{66221E02-25CB-4963-84BC-0813985E7D90}" type="datetimeFigureOut">
               <a:rPr lang="pl-PL" smtClean="0"/>
               <a:pPr/>
-              <a:t>08.11.2017</a:t>
+              <a:t>29.01.2019</a:t>
             </a:fld>
             <a:endParaRPr lang="pl-PL"/>
           </a:p>
@@ -1182,7 +1178,7 @@
             <a:fld id="{66221E02-25CB-4963-84BC-0813985E7D90}" type="datetimeFigureOut">
               <a:rPr lang="pl-PL" smtClean="0"/>
               <a:pPr/>
-              <a:t>08.11.2017</a:t>
+              <a:t>29.01.2019</a:t>
             </a:fld>
             <a:endParaRPr lang="pl-PL"/>
           </a:p>
@@ -1424,7 +1420,7 @@
             <a:fld id="{66221E02-25CB-4963-84BC-0813985E7D90}" type="datetimeFigureOut">
               <a:rPr lang="pl-PL" smtClean="0"/>
               <a:pPr/>
-              <a:t>08.11.2017</a:t>
+              <a:t>29.01.2019</a:t>
             </a:fld>
             <a:endParaRPr lang="pl-PL"/>
           </a:p>
@@ -1706,7 +1702,7 @@
             <a:fld id="{66221E02-25CB-4963-84BC-0813985E7D90}" type="datetimeFigureOut">
               <a:rPr lang="pl-PL" smtClean="0"/>
               <a:pPr/>
-              <a:t>08.11.2017</a:t>
+              <a:t>29.01.2019</a:t>
             </a:fld>
             <a:endParaRPr lang="pl-PL"/>
           </a:p>
@@ -2122,7 +2118,7 @@
             <a:fld id="{66221E02-25CB-4963-84BC-0813985E7D90}" type="datetimeFigureOut">
               <a:rPr lang="pl-PL" smtClean="0"/>
               <a:pPr/>
-              <a:t>08.11.2017</a:t>
+              <a:t>29.01.2019</a:t>
             </a:fld>
             <a:endParaRPr lang="pl-PL"/>
           </a:p>
@@ -2236,7 +2232,7 @@
             <a:fld id="{66221E02-25CB-4963-84BC-0813985E7D90}" type="datetimeFigureOut">
               <a:rPr lang="pl-PL" smtClean="0"/>
               <a:pPr/>
-              <a:t>08.11.2017</a:t>
+              <a:t>29.01.2019</a:t>
             </a:fld>
             <a:endParaRPr lang="pl-PL"/>
           </a:p>
@@ -2328,7 +2324,7 @@
             <a:fld id="{66221E02-25CB-4963-84BC-0813985E7D90}" type="datetimeFigureOut">
               <a:rPr lang="pl-PL" smtClean="0"/>
               <a:pPr/>
-              <a:t>08.11.2017</a:t>
+              <a:t>29.01.2019</a:t>
             </a:fld>
             <a:endParaRPr lang="pl-PL"/>
           </a:p>
@@ -2600,7 +2596,7 @@
             <a:fld id="{66221E02-25CB-4963-84BC-0813985E7D90}" type="datetimeFigureOut">
               <a:rPr lang="pl-PL" smtClean="0"/>
               <a:pPr/>
-              <a:t>08.11.2017</a:t>
+              <a:t>29.01.2019</a:t>
             </a:fld>
             <a:endParaRPr lang="pl-PL"/>
           </a:p>
@@ -2849,7 +2845,7 @@
             <a:fld id="{66221E02-25CB-4963-84BC-0813985E7D90}" type="datetimeFigureOut">
               <a:rPr lang="pl-PL" smtClean="0"/>
               <a:pPr/>
-              <a:t>08.11.2017</a:t>
+              <a:t>29.01.2019</a:t>
             </a:fld>
             <a:endParaRPr lang="pl-PL"/>
           </a:p>
@@ -3057,7 +3053,7 @@
             <a:fld id="{66221E02-25CB-4963-84BC-0813985E7D90}" type="datetimeFigureOut">
               <a:rPr lang="pl-PL" smtClean="0"/>
               <a:pPr/>
-              <a:t>08.11.2017</a:t>
+              <a:t>29.01.2019</a:t>
             </a:fld>
             <a:endParaRPr lang="pl-PL"/>
           </a:p>
@@ -3492,6 +3488,14 @@
 <file path=ppt/slides/slide10.xml><?xml version="1.0" encoding="utf-8"?>
 <p:sld xmlns:a="http://schemas.openxmlformats.org/drawingml/2006/main" xmlns:r="http://schemas.openxmlformats.org/officeDocument/2006/relationships" xmlns:p="http://schemas.openxmlformats.org/presentationml/2006/main">
   <p:cSld>
+    <p:bg>
+      <p:bgPr>
+        <a:solidFill>
+          <a:schemeClr val="bg1"/>
+        </a:solidFill>
+        <a:effectLst/>
+      </p:bgPr>
+    </p:bg>
     <p:spTree>
       <p:nvGrpSpPr>
         <p:cNvPr id="1" name=""/>
@@ -3508,6 +3512,268 @@
       </p:grpSpPr>
       <p:sp>
         <p:nvSpPr>
+          <p:cNvPr id="10" name="Rectangle 9">
+            <a:extLst>
+              <a:ext uri="{FF2B5EF4-FFF2-40B4-BE49-F238E27FC236}">
+                <a16:creationId xmlns:a16="http://schemas.microsoft.com/office/drawing/2014/main" id="{DAE885FA-583E-488C-A3B2-2647B84A8162}"/>
+              </a:ext>
+            </a:extLst>
+          </p:cNvPr>
+          <p:cNvSpPr>
+            <a:spLocks noGrp="1" noRot="1" noChangeAspect="1" noMove="1" noResize="1" noEditPoints="1" noAdjustHandles="1" noChangeArrowheads="1" noChangeShapeType="1" noTextEdit="1"/>
+          </p:cNvSpPr>
+          <p:nvPr>
+            <p:extLst>
+              <p:ext uri="{386F3935-93C4-4BCD-93E2-E3B085C9AB24}">
+                <p16:designElem xmlns:p16="http://schemas.microsoft.com/office/powerpoint/2015/main" val="1"/>
+              </p:ext>
+            </p:extLst>
+          </p:nvPr>
+        </p:nvSpPr>
+        <p:spPr>
+          <a:xfrm>
+            <a:off x="0" y="0"/>
+            <a:ext cx="9144000" cy="4572000"/>
+          </a:xfrm>
+          <a:prstGeom prst="rect">
+            <a:avLst/>
+          </a:prstGeom>
+          <a:solidFill>
+            <a:srgbClr val="626529"/>
+          </a:solidFill>
+          <a:ln>
+            <a:noFill/>
+          </a:ln>
+        </p:spPr>
+        <p:style>
+          <a:lnRef idx="1">
+            <a:schemeClr val="accent1"/>
+          </a:lnRef>
+          <a:fillRef idx="3">
+            <a:schemeClr val="accent1"/>
+          </a:fillRef>
+          <a:effectRef idx="2">
+            <a:schemeClr val="accent1"/>
+          </a:effectRef>
+          <a:fontRef idx="minor">
+            <a:schemeClr val="lt1"/>
+          </a:fontRef>
+        </p:style>
+        <p:txBody>
+          <a:bodyPr rtlCol="0" anchor="ctr"/>
+          <a:lstStyle/>
+          <a:p>
+            <a:pPr algn="ctr"/>
+            <a:endParaRPr lang="en-US"/>
+          </a:p>
+        </p:txBody>
+      </p:sp>
+      <p:sp>
+        <p:nvSpPr>
+          <p:cNvPr id="12" name="Rounded Rectangle 26">
+            <a:extLst>
+              <a:ext uri="{FF2B5EF4-FFF2-40B4-BE49-F238E27FC236}">
+                <a16:creationId xmlns:a16="http://schemas.microsoft.com/office/drawing/2014/main" id="{87B1CEC7-C2CE-4440-A0F7-0BE6B3AADB72}"/>
+              </a:ext>
+            </a:extLst>
+          </p:cNvPr>
+          <p:cNvSpPr>
+            <a:spLocks noGrp="1" noRot="1" noChangeAspect="1" noMove="1" noResize="1" noEditPoints="1" noAdjustHandles="1" noChangeArrowheads="1" noChangeShapeType="1" noTextEdit="1"/>
+          </p:cNvSpPr>
+          <p:nvPr>
+            <p:extLst>
+              <p:ext uri="{386F3935-93C4-4BCD-93E2-E3B085C9AB24}">
+                <p16:designElem xmlns:p16="http://schemas.microsoft.com/office/powerpoint/2015/main" val="1"/>
+              </p:ext>
+            </p:extLst>
+          </p:nvPr>
+        </p:nvSpPr>
+        <p:spPr>
+          <a:xfrm>
+            <a:off x="241173" y="320843"/>
+            <a:ext cx="4210176" cy="3930315"/>
+          </a:xfrm>
+          <a:prstGeom prst="roundRect">
+            <a:avLst>
+              <a:gd name="adj" fmla="val 0"/>
+            </a:avLst>
+          </a:prstGeom>
+          <a:solidFill>
+            <a:srgbClr val="FFFFFF"/>
+          </a:solidFill>
+          <a:ln w="9525">
+            <a:solidFill>
+              <a:schemeClr val="bg2"/>
+            </a:solidFill>
+          </a:ln>
+          <a:effectLst>
+            <a:outerShdw blurRad="57150" dist="19050" dir="5400000" algn="t" rotWithShape="0">
+              <a:prstClr val="black">
+                <a:alpha val="63000"/>
+              </a:prstClr>
+            </a:outerShdw>
+          </a:effectLst>
+        </p:spPr>
+        <p:style>
+          <a:lnRef idx="2">
+            <a:schemeClr val="accent1">
+              <a:shade val="50000"/>
+            </a:schemeClr>
+          </a:lnRef>
+          <a:fillRef idx="1">
+            <a:schemeClr val="accent1"/>
+          </a:fillRef>
+          <a:effectRef idx="0">
+            <a:schemeClr val="accent1"/>
+          </a:effectRef>
+          <a:fontRef idx="minor">
+            <a:schemeClr val="lt1"/>
+          </a:fontRef>
+        </p:style>
+        <p:txBody>
+          <a:bodyPr rtlCol="0" anchor="ctr"/>
+          <a:lstStyle/>
+          <a:p>
+            <a:pPr algn="ctr"/>
+            <a:endParaRPr lang="en-US"/>
+          </a:p>
+        </p:txBody>
+      </p:sp>
+      <p:sp>
+        <p:nvSpPr>
+          <p:cNvPr id="14" name="Rounded Rectangle 16">
+            <a:extLst>
+              <a:ext uri="{FF2B5EF4-FFF2-40B4-BE49-F238E27FC236}">
+                <a16:creationId xmlns:a16="http://schemas.microsoft.com/office/drawing/2014/main" id="{7B0DBF0B-D7C2-4F15-94AE-315255824591}"/>
+              </a:ext>
+            </a:extLst>
+          </p:cNvPr>
+          <p:cNvSpPr>
+            <a:spLocks noGrp="1" noRot="1" noChangeAspect="1" noMove="1" noResize="1" noEditPoints="1" noAdjustHandles="1" noChangeArrowheads="1" noChangeShapeType="1" noTextEdit="1"/>
+          </p:cNvSpPr>
+          <p:nvPr>
+            <p:extLst>
+              <p:ext uri="{386F3935-93C4-4BCD-93E2-E3B085C9AB24}">
+                <p16:designElem xmlns:p16="http://schemas.microsoft.com/office/powerpoint/2015/main" val="1"/>
+              </p:ext>
+            </p:extLst>
+          </p:nvPr>
+        </p:nvSpPr>
+        <p:spPr>
+          <a:xfrm>
+            <a:off x="4691061" y="320843"/>
+            <a:ext cx="4210177" cy="3930315"/>
+          </a:xfrm>
+          <a:prstGeom prst="roundRect">
+            <a:avLst>
+              <a:gd name="adj" fmla="val 0"/>
+            </a:avLst>
+          </a:prstGeom>
+          <a:solidFill>
+            <a:srgbClr val="FFFFFF"/>
+          </a:solidFill>
+          <a:ln w="9525">
+            <a:solidFill>
+              <a:schemeClr val="bg2"/>
+            </a:solidFill>
+          </a:ln>
+          <a:effectLst>
+            <a:outerShdw blurRad="57150" dist="19050" dir="5400000" algn="t" rotWithShape="0">
+              <a:prstClr val="black">
+                <a:alpha val="63000"/>
+              </a:prstClr>
+            </a:outerShdw>
+          </a:effectLst>
+        </p:spPr>
+        <p:style>
+          <a:lnRef idx="2">
+            <a:schemeClr val="accent1">
+              <a:shade val="50000"/>
+            </a:schemeClr>
+          </a:lnRef>
+          <a:fillRef idx="1">
+            <a:schemeClr val="accent1"/>
+          </a:fillRef>
+          <a:effectRef idx="0">
+            <a:schemeClr val="accent1"/>
+          </a:effectRef>
+          <a:fontRef idx="minor">
+            <a:schemeClr val="lt1"/>
+          </a:fontRef>
+        </p:style>
+        <p:txBody>
+          <a:bodyPr rtlCol="0" anchor="ctr"/>
+          <a:lstStyle/>
+          <a:p>
+            <a:pPr algn="ctr"/>
+            <a:endParaRPr lang="en-US"/>
+          </a:p>
+        </p:txBody>
+      </p:sp>
+      <p:pic>
+        <p:nvPicPr>
+          <p:cNvPr id="4" name="Symbol zastępczy zawartości 3"/>
+          <p:cNvPicPr>
+            <a:picLocks noGrp="1" noChangeAspect="1"/>
+          </p:cNvPicPr>
+          <p:nvPr>
+            <p:ph idx="1"/>
+          </p:nvPr>
+        </p:nvPicPr>
+        <p:blipFill>
+          <a:blip r:embed="rId2" cstate="print">
+            <a:extLst>
+              <a:ext uri="{28A0092B-C50C-407E-A947-70E740481C1C}">
+                <a14:useLocalDpi xmlns:a14="http://schemas.microsoft.com/office/drawing/2010/main" val="0"/>
+              </a:ext>
+            </a:extLst>
+          </a:blip>
+          <a:stretch>
+            <a:fillRect/>
+          </a:stretch>
+        </p:blipFill>
+        <p:spPr>
+          <a:xfrm>
+            <a:off x="732070" y="640080"/>
+            <a:ext cx="3228382" cy="3291840"/>
+          </a:xfrm>
+          <a:prstGeom prst="rect">
+            <a:avLst/>
+          </a:prstGeom>
+        </p:spPr>
+      </p:pic>
+      <p:pic>
+        <p:nvPicPr>
+          <p:cNvPr id="5" name="Obraz 4"/>
+          <p:cNvPicPr>
+            <a:picLocks noChangeAspect="1"/>
+          </p:cNvPicPr>
+          <p:nvPr/>
+        </p:nvPicPr>
+        <p:blipFill>
+          <a:blip r:embed="rId3" cstate="print">
+            <a:extLst>
+              <a:ext uri="{28A0092B-C50C-407E-A947-70E740481C1C}">
+                <a14:useLocalDpi xmlns:a14="http://schemas.microsoft.com/office/drawing/2010/main" val="0"/>
+              </a:ext>
+            </a:extLst>
+          </a:blip>
+          <a:stretch>
+            <a:fillRect/>
+          </a:stretch>
+        </p:blipFill>
+        <p:spPr>
+          <a:xfrm>
+            <a:off x="4930773" y="673842"/>
+            <a:ext cx="3730752" cy="3224315"/>
+          </a:xfrm>
+          <a:prstGeom prst="rect">
+            <a:avLst/>
+          </a:prstGeom>
+        </p:spPr>
+      </p:pic>
+      <p:sp>
+        <p:nvSpPr>
           <p:cNvPr id="2" name="Tytuł 1"/>
           <p:cNvSpPr>
             <a:spLocks noGrp="1"/>
@@ -3516,6 +3782,70 @@
             <p:ph type="title"/>
           </p:nvPr>
         </p:nvSpPr>
+        <p:spPr>
+          <a:xfrm>
+            <a:off x="1143000" y="4642583"/>
+            <a:ext cx="6858000" cy="1099845"/>
+          </a:xfrm>
+        </p:spPr>
+        <p:txBody>
+          <a:bodyPr vert="horz" lIns="91440" tIns="45720" rIns="91440" bIns="45720" rtlCol="0" anchor="b">
+            <a:normAutofit/>
+          </a:bodyPr>
+          <a:lstStyle/>
+          <a:p>
+            <a:pPr>
+              <a:lnSpc>
+                <a:spcPct val="90000"/>
+              </a:lnSpc>
+            </a:pPr>
+            <a:r>
+              <a:rPr lang="en-US" sz="6000" dirty="0"/>
+              <a:t>Zadanie 5</a:t>
+            </a:r>
+          </a:p>
+        </p:txBody>
+      </p:sp>
+    </p:spTree>
+    <p:extLst>
+      <p:ext uri="{BB962C8B-B14F-4D97-AF65-F5344CB8AC3E}">
+        <p14:creationId xmlns:p14="http://schemas.microsoft.com/office/powerpoint/2010/main" val="4161051816"/>
+      </p:ext>
+    </p:extLst>
+  </p:cSld>
+  <p:clrMapOvr>
+    <a:masterClrMapping/>
+  </p:clrMapOvr>
+</p:sld>
+</file>
+
+<file path=ppt/slides/slide11.xml><?xml version="1.0" encoding="utf-8"?>
+<p:sld xmlns:a="http://schemas.openxmlformats.org/drawingml/2006/main" xmlns:r="http://schemas.openxmlformats.org/officeDocument/2006/relationships" xmlns:p="http://schemas.openxmlformats.org/presentationml/2006/main">
+  <p:cSld>
+    <p:spTree>
+      <p:nvGrpSpPr>
+        <p:cNvPr id="1" name=""/>
+        <p:cNvGrpSpPr/>
+        <p:nvPr/>
+      </p:nvGrpSpPr>
+      <p:grpSpPr>
+        <a:xfrm>
+          <a:off x="0" y="0"/>
+          <a:ext cx="0" cy="0"/>
+          <a:chOff x="0" y="0"/>
+          <a:chExt cx="0" cy="0"/>
+        </a:xfrm>
+      </p:grpSpPr>
+      <p:sp>
+        <p:nvSpPr>
+          <p:cNvPr id="2" name="Tytuł 1"/>
+          <p:cNvSpPr>
+            <a:spLocks noGrp="1"/>
+          </p:cNvSpPr>
+          <p:nvPr>
+            <p:ph type="title"/>
+          </p:nvPr>
+        </p:nvSpPr>
         <p:spPr/>
         <p:txBody>
           <a:bodyPr/>
@@ -3523,7 +3853,7 @@
           <a:p>
             <a:r>
               <a:rPr lang="pl-PL" dirty="0"/>
-              <a:t>Zadanie 5</a:t>
+              <a:t>Zadanie 6</a:t>
             </a:r>
           </a:p>
         </p:txBody>
@@ -3540,63 +3870,34 @@
         </p:nvSpPr>
         <p:spPr/>
         <p:txBody>
-          <a:bodyPr>
-            <a:normAutofit fontScale="92500" lnSpcReduction="20000"/>
-          </a:bodyPr>
+          <a:bodyPr/>
           <a:lstStyle/>
           <a:p>
             <a:r>
               <a:rPr lang="pl-PL" dirty="0"/>
-              <a:t>Możemy zauważyć, że fragment drogi można przejść powtarzając instrukcję </a:t>
-            </a:r>
-            <a:r>
-              <a:rPr lang="pl-PL" i="1" dirty="0"/>
-              <a:t>idź naprzód</a:t>
-            </a:r>
-            <a:endParaRPr lang="pl-PL" dirty="0"/>
+              <a:t>W tym zadaniu dochodzi nowa instrukcja: </a:t>
+            </a:r>
+            <a:r>
+              <a:rPr lang="pl-PL" b="1" dirty="0"/>
+              <a:t>instrukcja warunkowa</a:t>
+            </a:r>
           </a:p>
           <a:p>
             <a:r>
               <a:rPr lang="pl-PL" dirty="0"/>
-              <a:t>Jednak najpierw musimy dotrzeć do tego fragmentu</a:t>
+              <a:t>Zauważmy, że będziemy wykonywać jedynie skręt w lewo</a:t>
             </a:r>
           </a:p>
           <a:p>
             <a:r>
               <a:rPr lang="pl-PL" dirty="0"/>
-              <a:t>Co robimy przy pomocy dwóch instrukcji </a:t>
-            </a:r>
-            <a:r>
-              <a:rPr lang="pl-PL" i="1" dirty="0"/>
-              <a:t>idź naprzód </a:t>
-            </a:r>
+              <a:t>Cały czas idziemy naprzód</a:t>
+            </a:r>
+          </a:p>
+          <a:p>
             <a:r>
               <a:rPr lang="pl-PL" dirty="0"/>
-              <a:t>i instrukcji </a:t>
-            </a:r>
-            <a:r>
-              <a:rPr lang="pl-PL" i="1" dirty="0"/>
-              <a:t>skręć w lewo</a:t>
-            </a:r>
-          </a:p>
-          <a:p>
-            <a:r>
-              <a:rPr lang="pl-PL" dirty="0"/>
-              <a:t>Zauważmy, że zapis algorytmu składa się z dwóch części: </a:t>
-            </a:r>
-          </a:p>
-          <a:p>
-            <a:pPr lvl="1"/>
-            <a:r>
-              <a:rPr lang="pl-PL" sz="3200" dirty="0"/>
-              <a:t>Pierwszej – liniowej</a:t>
-            </a:r>
-          </a:p>
-          <a:p>
-            <a:pPr lvl="1"/>
-            <a:r>
-              <a:rPr lang="pl-PL" sz="3200" dirty="0"/>
-              <a:t>Drugiej – pętli</a:t>
+              <a:t>A jeśli jest możliwość skrętu w lewo, to skręcamy</a:t>
             </a:r>
           </a:p>
         </p:txBody>
@@ -3609,7 +3910,7 @@
 </p:sld>
 </file>
 
-<file path=ppt/slides/slide11.xml><?xml version="1.0" encoding="utf-8"?>
+<file path=ppt/slides/slide12.xml><?xml version="1.0" encoding="utf-8"?>
 <p:sld xmlns:a="http://schemas.openxmlformats.org/drawingml/2006/main" xmlns:r="http://schemas.openxmlformats.org/officeDocument/2006/relationships" xmlns:p="http://schemas.openxmlformats.org/presentationml/2006/main">
   <p:cSld>
     <p:bg>
@@ -3943,7 +4244,7 @@
 </p:sld>
 </file>
 
-<file path=ppt/slides/slide12.xml><?xml version="1.0" encoding="utf-8"?>
+<file path=ppt/slides/slide13.xml><?xml version="1.0" encoding="utf-8"?>
 <p:sld xmlns:a="http://schemas.openxmlformats.org/drawingml/2006/main" xmlns:r="http://schemas.openxmlformats.org/officeDocument/2006/relationships" xmlns:p="http://schemas.openxmlformats.org/presentationml/2006/main">
   <p:cSld>
     <p:spTree>
@@ -3962,206 +4263,120 @@
       </p:grpSpPr>
       <p:sp>
         <p:nvSpPr>
-          <p:cNvPr id="2" name="Tytuł 1"/>
-          <p:cNvSpPr>
-            <a:spLocks noGrp="1"/>
-          </p:cNvSpPr>
-          <p:nvPr>
-            <p:ph type="title"/>
-          </p:nvPr>
-        </p:nvSpPr>
-        <p:spPr/>
-        <p:txBody>
-          <a:bodyPr/>
-          <a:lstStyle/>
-          <a:p>
-            <a:r>
-              <a:rPr lang="pl-PL" dirty="0"/>
-              <a:t>Zadanie 6</a:t>
-            </a:r>
-          </a:p>
-        </p:txBody>
-      </p:sp>
-      <p:sp>
-        <p:nvSpPr>
-          <p:cNvPr id="3" name="Symbol zastępczy zawartości 2"/>
-          <p:cNvSpPr>
-            <a:spLocks noGrp="1"/>
-          </p:cNvSpPr>
-          <p:nvPr>
-            <p:ph idx="1"/>
-          </p:nvPr>
-        </p:nvSpPr>
-        <p:spPr/>
-        <p:txBody>
-          <a:bodyPr/>
-          <a:lstStyle/>
-          <a:p>
-            <a:r>
-              <a:rPr lang="pl-PL" dirty="0"/>
-              <a:t>W tym zadaniu dochodzi nowa instrukcja: </a:t>
-            </a:r>
-            <a:r>
-              <a:rPr lang="pl-PL" b="1" dirty="0"/>
-              <a:t>instrukcja warunkowa</a:t>
-            </a:r>
-          </a:p>
-          <a:p>
-            <a:r>
-              <a:rPr lang="pl-PL" dirty="0"/>
-              <a:t>Zauważmy, że będziemy wykonywać jedynie skręt w lewo</a:t>
-            </a:r>
-          </a:p>
-          <a:p>
-            <a:r>
-              <a:rPr lang="pl-PL" dirty="0"/>
-              <a:t>Cały czas idziemy naprzód</a:t>
-            </a:r>
-          </a:p>
-          <a:p>
-            <a:r>
-              <a:rPr lang="pl-PL" dirty="0"/>
-              <a:t>A jeśli jest możliwość skrętu w lewo, to skręcamy</a:t>
-            </a:r>
-          </a:p>
-        </p:txBody>
-      </p:sp>
-    </p:spTree>
-  </p:cSld>
-  <p:clrMapOvr>
-    <a:masterClrMapping/>
-  </p:clrMapOvr>
-</p:sld>
-</file>
-
-<file path=ppt/slides/slide13.xml><?xml version="1.0" encoding="utf-8"?>
-<p:sld xmlns:a="http://schemas.openxmlformats.org/drawingml/2006/main" xmlns:r="http://schemas.openxmlformats.org/officeDocument/2006/relationships" xmlns:p="http://schemas.openxmlformats.org/presentationml/2006/main">
-  <p:cSld>
-    <p:bg>
-      <p:bgPr>
-        <a:solidFill>
-          <a:schemeClr val="bg1"/>
-        </a:solidFill>
-        <a:effectLst/>
-      </p:bgPr>
-    </p:bg>
-    <p:spTree>
-      <p:nvGrpSpPr>
-        <p:cNvPr id="1" name=""/>
-        <p:cNvGrpSpPr/>
-        <p:nvPr/>
-      </p:nvGrpSpPr>
-      <p:grpSpPr>
-        <a:xfrm>
-          <a:off x="0" y="0"/>
-          <a:ext cx="0" cy="0"/>
-          <a:chOff x="0" y="0"/>
-          <a:chExt cx="0" cy="0"/>
-        </a:xfrm>
-      </p:grpSpPr>
-      <p:sp>
-        <p:nvSpPr>
-          <p:cNvPr id="10" name="Rectangle 9">
+          <p:cNvPr id="2" name="Tytuł 1">
             <a:extLst>
               <a:ext uri="{FF2B5EF4-FFF2-40B4-BE49-F238E27FC236}">
-                <a16:creationId xmlns:a16="http://schemas.microsoft.com/office/drawing/2014/main" id="{DAE885FA-583E-488C-A3B2-2647B84A8162}"/>
+                <a16:creationId xmlns:a16="http://schemas.microsoft.com/office/drawing/2014/main" id="{42096806-5A87-455F-870F-F6E6AC2264EC}"/>
               </a:ext>
             </a:extLst>
           </p:cNvPr>
           <p:cNvSpPr>
-            <a:spLocks noGrp="1" noRot="1" noChangeAspect="1" noMove="1" noResize="1" noEditPoints="1" noAdjustHandles="1" noChangeArrowheads="1" noChangeShapeType="1" noTextEdit="1"/>
-          </p:cNvSpPr>
-          <p:nvPr>
-            <p:extLst>
-              <p:ext uri="{386F3935-93C4-4BCD-93E2-E3B085C9AB24}">
-                <p16:designElem xmlns:p16="http://schemas.microsoft.com/office/powerpoint/2015/main" val="1"/>
-              </p:ext>
-            </p:extLst>
-          </p:nvPr>
-        </p:nvSpPr>
-        <p:spPr>
-          <a:xfrm>
-            <a:off x="0" y="0"/>
-            <a:ext cx="9144000" cy="4572000"/>
+            <a:spLocks noGrp="1"/>
+          </p:cNvSpPr>
+          <p:nvPr>
+            <p:ph type="title"/>
+          </p:nvPr>
+        </p:nvSpPr>
+        <p:spPr/>
+        <p:txBody>
+          <a:bodyPr/>
+          <a:lstStyle/>
+          <a:p>
+            <a:r>
+              <a:rPr lang="pl-PL" dirty="0"/>
+              <a:t>Zadanie 7</a:t>
+            </a:r>
+          </a:p>
+        </p:txBody>
+      </p:sp>
+      <p:sp>
+        <p:nvSpPr>
+          <p:cNvPr id="3" name="Symbol zastępczy zawartości 2">
+            <a:extLst>
+              <a:ext uri="{FF2B5EF4-FFF2-40B4-BE49-F238E27FC236}">
+                <a16:creationId xmlns:a16="http://schemas.microsoft.com/office/drawing/2014/main" id="{23B037B9-2FFC-4642-A29C-0B251FAFFEAC}"/>
+              </a:ext>
+            </a:extLst>
+          </p:cNvPr>
+          <p:cNvSpPr>
+            <a:spLocks noGrp="1"/>
+          </p:cNvSpPr>
+          <p:nvPr>
+            <p:ph idx="1"/>
+          </p:nvPr>
+        </p:nvSpPr>
+        <p:spPr/>
+        <p:txBody>
+          <a:bodyPr/>
+          <a:lstStyle/>
+          <a:p>
+            <a:r>
+              <a:rPr lang="pl-PL" dirty="0"/>
+              <a:t>Zauważmy, że najprostsza droga do celu to skręcenie trzy razy w prawo</a:t>
+            </a:r>
+          </a:p>
+        </p:txBody>
+      </p:sp>
+      <p:pic>
+        <p:nvPicPr>
+          <p:cNvPr id="4" name="Symbol zastępczy zawartości 3">
+            <a:extLst>
+              <a:ext uri="{FF2B5EF4-FFF2-40B4-BE49-F238E27FC236}">
+                <a16:creationId xmlns:a16="http://schemas.microsoft.com/office/drawing/2014/main" id="{5A3140FC-9153-4A36-941A-BFF6E177ED77}"/>
+              </a:ext>
+            </a:extLst>
+          </p:cNvPr>
+          <p:cNvPicPr>
+            <a:picLocks noChangeAspect="1"/>
+          </p:cNvPicPr>
+          <p:nvPr/>
+        </p:nvPicPr>
+        <p:blipFill>
+          <a:blip r:embed="rId2" cstate="print">
+            <a:extLst>
+              <a:ext uri="{28A0092B-C50C-407E-A947-70E740481C1C}">
+                <a14:useLocalDpi xmlns:a14="http://schemas.microsoft.com/office/drawing/2010/main" val="0"/>
+              </a:ext>
+            </a:extLst>
+          </a:blip>
+          <a:stretch>
+            <a:fillRect/>
+          </a:stretch>
+        </p:blipFill>
+        <p:spPr>
+          <a:xfrm>
+            <a:off x="2973219" y="2784832"/>
+            <a:ext cx="3197562" cy="3291840"/>
           </a:xfrm>
           <a:prstGeom prst="rect">
             <a:avLst/>
           </a:prstGeom>
-          <a:solidFill>
-            <a:srgbClr val="65682A"/>
-          </a:solidFill>
-          <a:ln>
-            <a:noFill/>
-          </a:ln>
-        </p:spPr>
-        <p:style>
-          <a:lnRef idx="1">
-            <a:schemeClr val="accent1"/>
-          </a:lnRef>
-          <a:fillRef idx="3">
-            <a:schemeClr val="accent1"/>
-          </a:fillRef>
-          <a:effectRef idx="2">
-            <a:schemeClr val="accent1"/>
-          </a:effectRef>
-          <a:fontRef idx="minor">
-            <a:schemeClr val="lt1"/>
-          </a:fontRef>
-        </p:style>
-        <p:txBody>
-          <a:bodyPr rtlCol="0" anchor="ctr"/>
-          <a:lstStyle/>
-          <a:p>
-            <a:pPr algn="ctr"/>
-            <a:endParaRPr lang="en-US"/>
-          </a:p>
-        </p:txBody>
-      </p:sp>
-      <p:sp>
-        <p:nvSpPr>
-          <p:cNvPr id="12" name="Rounded Rectangle 26">
+        </p:spPr>
+      </p:pic>
+      <p:sp>
+        <p:nvSpPr>
+          <p:cNvPr id="7" name="Strzałka: wygięta w górę 6">
             <a:extLst>
               <a:ext uri="{FF2B5EF4-FFF2-40B4-BE49-F238E27FC236}">
-                <a16:creationId xmlns:a16="http://schemas.microsoft.com/office/drawing/2014/main" id="{87B1CEC7-C2CE-4440-A0F7-0BE6B3AADB72}"/>
+                <a16:creationId xmlns:a16="http://schemas.microsoft.com/office/drawing/2014/main" id="{7D321CEF-BB24-4228-9B97-A185899B6621}"/>
               </a:ext>
             </a:extLst>
           </p:cNvPr>
-          <p:cNvSpPr>
-            <a:spLocks noGrp="1" noRot="1" noChangeAspect="1" noMove="1" noResize="1" noEditPoints="1" noAdjustHandles="1" noChangeArrowheads="1" noChangeShapeType="1" noTextEdit="1"/>
-          </p:cNvSpPr>
-          <p:nvPr>
-            <p:extLst>
-              <p:ext uri="{386F3935-93C4-4BCD-93E2-E3B085C9AB24}">
-                <p16:designElem xmlns:p16="http://schemas.microsoft.com/office/powerpoint/2015/main" val="1"/>
-              </p:ext>
-            </p:extLst>
-          </p:nvPr>
-        </p:nvSpPr>
-        <p:spPr>
-          <a:xfrm>
-            <a:off x="241173" y="320843"/>
-            <a:ext cx="4210176" cy="3930315"/>
-          </a:xfrm>
-          <a:prstGeom prst="roundRect">
+          <p:cNvSpPr/>
+          <p:nvPr/>
+        </p:nvSpPr>
+        <p:spPr>
+          <a:xfrm rot="10800000" flipH="1">
+            <a:off x="4860032" y="3859239"/>
+            <a:ext cx="288032" cy="240094"/>
+          </a:xfrm>
+          <a:prstGeom prst="bentUpArrow">
             <a:avLst>
-              <a:gd name="adj" fmla="val 0"/>
+              <a:gd name="adj1" fmla="val 2415"/>
+              <a:gd name="adj2" fmla="val 6007"/>
+              <a:gd name="adj3" fmla="val 15476"/>
             </a:avLst>
           </a:prstGeom>
-          <a:solidFill>
-            <a:srgbClr val="FFFFFF"/>
-          </a:solidFill>
-          <a:ln w="9525">
-            <a:solidFill>
-              <a:schemeClr val="bg2"/>
-            </a:solidFill>
-          </a:ln>
-          <a:effectLst>
-            <a:outerShdw blurRad="57150" dist="19050" dir="5400000" algn="t" rotWithShape="0">
-              <a:prstClr val="black">
-                <a:alpha val="63000"/>
-              </a:prstClr>
-            </a:outerShdw>
-          </a:effectLst>
         </p:spPr>
         <p:style>
           <a:lnRef idx="2">
@@ -4184,55 +4399,34 @@
           <a:lstStyle/>
           <a:p>
             <a:pPr algn="ctr"/>
-            <a:endParaRPr lang="en-US"/>
-          </a:p>
-        </p:txBody>
-      </p:sp>
-      <p:sp>
-        <p:nvSpPr>
-          <p:cNvPr id="14" name="Rounded Rectangle 16">
+            <a:endParaRPr lang="pl-PL"/>
+          </a:p>
+        </p:txBody>
+      </p:sp>
+      <p:sp>
+        <p:nvSpPr>
+          <p:cNvPr id="8" name="Strzałka: wygięta w górę 7">
             <a:extLst>
               <a:ext uri="{FF2B5EF4-FFF2-40B4-BE49-F238E27FC236}">
-                <a16:creationId xmlns:a16="http://schemas.microsoft.com/office/drawing/2014/main" id="{7B0DBF0B-D7C2-4F15-94AE-315255824591}"/>
+                <a16:creationId xmlns:a16="http://schemas.microsoft.com/office/drawing/2014/main" id="{86547591-5909-4F7B-B7B2-1CA9FC5AAE39}"/>
               </a:ext>
             </a:extLst>
           </p:cNvPr>
-          <p:cNvSpPr>
-            <a:spLocks noGrp="1" noRot="1" noChangeAspect="1" noMove="1" noResize="1" noEditPoints="1" noAdjustHandles="1" noChangeArrowheads="1" noChangeShapeType="1" noTextEdit="1"/>
-          </p:cNvSpPr>
-          <p:nvPr>
-            <p:extLst>
-              <p:ext uri="{386F3935-93C4-4BCD-93E2-E3B085C9AB24}">
-                <p16:designElem xmlns:p16="http://schemas.microsoft.com/office/powerpoint/2015/main" val="1"/>
-              </p:ext>
-            </p:extLst>
-          </p:nvPr>
-        </p:nvSpPr>
-        <p:spPr>
-          <a:xfrm>
-            <a:off x="4691061" y="320843"/>
-            <a:ext cx="4210177" cy="3930315"/>
-          </a:xfrm>
-          <a:prstGeom prst="roundRect">
+          <p:cNvSpPr/>
+          <p:nvPr/>
+        </p:nvSpPr>
+        <p:spPr>
+          <a:xfrm rot="16200000" flipH="1">
+            <a:off x="4879940" y="5185222"/>
+            <a:ext cx="296154" cy="240094"/>
+          </a:xfrm>
+          <a:prstGeom prst="bentUpArrow">
             <a:avLst>
-              <a:gd name="adj" fmla="val 0"/>
+              <a:gd name="adj1" fmla="val 2415"/>
+              <a:gd name="adj2" fmla="val 6007"/>
+              <a:gd name="adj3" fmla="val 15476"/>
             </a:avLst>
           </a:prstGeom>
-          <a:solidFill>
-            <a:srgbClr val="FFFFFF"/>
-          </a:solidFill>
-          <a:ln w="9525">
-            <a:solidFill>
-              <a:schemeClr val="bg2"/>
-            </a:solidFill>
-          </a:ln>
-          <a:effectLst>
-            <a:outerShdw blurRad="57150" dist="19050" dir="5400000" algn="t" rotWithShape="0">
-              <a:prstClr val="black">
-                <a:alpha val="63000"/>
-              </a:prstClr>
-            </a:outerShdw>
-          </a:effectLst>
         </p:spPr>
         <p:style>
           <a:lnRef idx="2">
@@ -4255,110 +4449,64 @@
           <a:lstStyle/>
           <a:p>
             <a:pPr algn="ctr"/>
-            <a:endParaRPr lang="en-US"/>
-          </a:p>
-        </p:txBody>
-      </p:sp>
-      <p:pic>
-        <p:nvPicPr>
-          <p:cNvPr id="4" name="Symbol zastępczy zawartości 3"/>
-          <p:cNvPicPr>
-            <a:picLocks noGrp="1" noChangeAspect="1"/>
-          </p:cNvPicPr>
-          <p:nvPr>
-            <p:ph idx="1"/>
-          </p:nvPr>
-        </p:nvPicPr>
-        <p:blipFill>
-          <a:blip r:embed="rId2" cstate="print">
+            <a:endParaRPr lang="pl-PL"/>
+          </a:p>
+        </p:txBody>
+      </p:sp>
+      <p:sp>
+        <p:nvSpPr>
+          <p:cNvPr id="9" name="Strzałka: wygięta w górę 8">
             <a:extLst>
-              <a:ext uri="{28A0092B-C50C-407E-A947-70E740481C1C}">
-                <a14:useLocalDpi xmlns:a14="http://schemas.microsoft.com/office/drawing/2010/main" val="0"/>
+              <a:ext uri="{FF2B5EF4-FFF2-40B4-BE49-F238E27FC236}">
+                <a16:creationId xmlns:a16="http://schemas.microsoft.com/office/drawing/2014/main" id="{179A4FB4-4744-4944-9695-97E0F8D8D92D}"/>
               </a:ext>
             </a:extLst>
-          </a:blip>
-          <a:stretch>
-            <a:fillRect/>
-          </a:stretch>
-        </p:blipFill>
-        <p:spPr>
-          <a:xfrm>
-            <a:off x="747480" y="640080"/>
-            <a:ext cx="3197562" cy="3291840"/>
-          </a:xfrm>
-          <a:prstGeom prst="rect">
-            <a:avLst/>
+          </p:cNvPr>
+          <p:cNvSpPr/>
+          <p:nvPr/>
+        </p:nvSpPr>
+        <p:spPr>
+          <a:xfrm flipH="1">
+            <a:off x="4340290" y="5213252"/>
+            <a:ext cx="240094" cy="240094"/>
+          </a:xfrm>
+          <a:prstGeom prst="bentUpArrow">
+            <a:avLst>
+              <a:gd name="adj1" fmla="val 2415"/>
+              <a:gd name="adj2" fmla="val 6007"/>
+              <a:gd name="adj3" fmla="val 15476"/>
+            </a:avLst>
           </a:prstGeom>
         </p:spPr>
-      </p:pic>
-      <p:pic>
-        <p:nvPicPr>
-          <p:cNvPr id="5" name="Obraz 4"/>
-          <p:cNvPicPr>
-            <a:picLocks noChangeAspect="1"/>
-          </p:cNvPicPr>
-          <p:nvPr/>
-        </p:nvPicPr>
-        <p:blipFill>
-          <a:blip r:embed="rId3" cstate="print">
-            <a:extLst>
-              <a:ext uri="{28A0092B-C50C-407E-A947-70E740481C1C}">
-                <a14:useLocalDpi xmlns:a14="http://schemas.microsoft.com/office/drawing/2010/main" val="0"/>
-              </a:ext>
-            </a:extLst>
-          </a:blip>
-          <a:stretch>
-            <a:fillRect/>
-          </a:stretch>
-        </p:blipFill>
-        <p:spPr>
-          <a:xfrm>
-            <a:off x="4930773" y="1421320"/>
-            <a:ext cx="3730752" cy="1729359"/>
-          </a:xfrm>
-          <a:prstGeom prst="rect">
-            <a:avLst/>
-          </a:prstGeom>
-        </p:spPr>
-      </p:pic>
-      <p:sp>
-        <p:nvSpPr>
-          <p:cNvPr id="2" name="Tytuł 1"/>
-          <p:cNvSpPr>
-            <a:spLocks noGrp="1"/>
-          </p:cNvSpPr>
-          <p:nvPr>
-            <p:ph type="title"/>
-          </p:nvPr>
-        </p:nvSpPr>
-        <p:spPr>
-          <a:xfrm>
-            <a:off x="1143000" y="4642583"/>
-            <a:ext cx="6858000" cy="1099845"/>
-          </a:xfrm>
-        </p:spPr>
-        <p:txBody>
-          <a:bodyPr vert="horz" lIns="91440" tIns="45720" rIns="91440" bIns="45720" rtlCol="0" anchor="b">
-            <a:normAutofit/>
-          </a:bodyPr>
-          <a:lstStyle/>
-          <a:p>
-            <a:pPr>
-              <a:lnSpc>
-                <a:spcPct val="90000"/>
-              </a:lnSpc>
-            </a:pPr>
-            <a:r>
-              <a:rPr lang="en-US" sz="6000" dirty="0"/>
-              <a:t>Zadanie 7</a:t>
-            </a:r>
+        <p:style>
+          <a:lnRef idx="2">
+            <a:schemeClr val="accent1">
+              <a:shade val="50000"/>
+            </a:schemeClr>
+          </a:lnRef>
+          <a:fillRef idx="1">
+            <a:schemeClr val="accent1"/>
+          </a:fillRef>
+          <a:effectRef idx="0">
+            <a:schemeClr val="accent1"/>
+          </a:effectRef>
+          <a:fontRef idx="minor">
+            <a:schemeClr val="lt1"/>
+          </a:fontRef>
+        </p:style>
+        <p:txBody>
+          <a:bodyPr rtlCol="0" anchor="ctr"/>
+          <a:lstStyle/>
+          <a:p>
+            <a:pPr algn="ctr"/>
+            <a:endParaRPr lang="pl-PL"/>
           </a:p>
         </p:txBody>
       </p:sp>
     </p:spTree>
     <p:extLst>
       <p:ext uri="{BB962C8B-B14F-4D97-AF65-F5344CB8AC3E}">
-        <p14:creationId xmlns:p14="http://schemas.microsoft.com/office/powerpoint/2010/main" val="3925324499"/>
+        <p14:creationId xmlns:p14="http://schemas.microsoft.com/office/powerpoint/2010/main" val="1192720652"/>
       </p:ext>
     </p:extLst>
   </p:cSld>
@@ -4390,278 +4538,6 @@
           <p:cNvPr id="2" name="Tytuł 1">
             <a:extLst>
               <a:ext uri="{FF2B5EF4-FFF2-40B4-BE49-F238E27FC236}">
-                <a16:creationId xmlns:a16="http://schemas.microsoft.com/office/drawing/2014/main" id="{42096806-5A87-455F-870F-F6E6AC2264EC}"/>
-              </a:ext>
-            </a:extLst>
-          </p:cNvPr>
-          <p:cNvSpPr>
-            <a:spLocks noGrp="1"/>
-          </p:cNvSpPr>
-          <p:nvPr>
-            <p:ph type="title"/>
-          </p:nvPr>
-        </p:nvSpPr>
-        <p:spPr/>
-        <p:txBody>
-          <a:bodyPr/>
-          <a:lstStyle/>
-          <a:p>
-            <a:r>
-              <a:rPr lang="pl-PL" dirty="0"/>
-              <a:t>Zadanie 7</a:t>
-            </a:r>
-          </a:p>
-        </p:txBody>
-      </p:sp>
-      <p:sp>
-        <p:nvSpPr>
-          <p:cNvPr id="3" name="Symbol zastępczy zawartości 2">
-            <a:extLst>
-              <a:ext uri="{FF2B5EF4-FFF2-40B4-BE49-F238E27FC236}">
-                <a16:creationId xmlns:a16="http://schemas.microsoft.com/office/drawing/2014/main" id="{23B037B9-2FFC-4642-A29C-0B251FAFFEAC}"/>
-              </a:ext>
-            </a:extLst>
-          </p:cNvPr>
-          <p:cNvSpPr>
-            <a:spLocks noGrp="1"/>
-          </p:cNvSpPr>
-          <p:nvPr>
-            <p:ph idx="1"/>
-          </p:nvPr>
-        </p:nvSpPr>
-        <p:spPr/>
-        <p:txBody>
-          <a:bodyPr/>
-          <a:lstStyle/>
-          <a:p>
-            <a:r>
-              <a:rPr lang="pl-PL" dirty="0"/>
-              <a:t>Zauważmy, że najprostsza droga do celu to skręcenie trzy razy w prawo</a:t>
-            </a:r>
-          </a:p>
-        </p:txBody>
-      </p:sp>
-      <p:pic>
-        <p:nvPicPr>
-          <p:cNvPr id="4" name="Symbol zastępczy zawartości 3">
-            <a:extLst>
-              <a:ext uri="{FF2B5EF4-FFF2-40B4-BE49-F238E27FC236}">
-                <a16:creationId xmlns:a16="http://schemas.microsoft.com/office/drawing/2014/main" id="{5A3140FC-9153-4A36-941A-BFF6E177ED77}"/>
-              </a:ext>
-            </a:extLst>
-          </p:cNvPr>
-          <p:cNvPicPr>
-            <a:picLocks noChangeAspect="1"/>
-          </p:cNvPicPr>
-          <p:nvPr/>
-        </p:nvPicPr>
-        <p:blipFill>
-          <a:blip r:embed="rId2" cstate="print">
-            <a:extLst>
-              <a:ext uri="{28A0092B-C50C-407E-A947-70E740481C1C}">
-                <a14:useLocalDpi xmlns:a14="http://schemas.microsoft.com/office/drawing/2010/main" val="0"/>
-              </a:ext>
-            </a:extLst>
-          </a:blip>
-          <a:stretch>
-            <a:fillRect/>
-          </a:stretch>
-        </p:blipFill>
-        <p:spPr>
-          <a:xfrm>
-            <a:off x="2973219" y="2784832"/>
-            <a:ext cx="3197562" cy="3291840"/>
-          </a:xfrm>
-          <a:prstGeom prst="rect">
-            <a:avLst/>
-          </a:prstGeom>
-        </p:spPr>
-      </p:pic>
-      <p:sp>
-        <p:nvSpPr>
-          <p:cNvPr id="7" name="Strzałka: wygięta w górę 6">
-            <a:extLst>
-              <a:ext uri="{FF2B5EF4-FFF2-40B4-BE49-F238E27FC236}">
-                <a16:creationId xmlns:a16="http://schemas.microsoft.com/office/drawing/2014/main" id="{7D321CEF-BB24-4228-9B97-A185899B6621}"/>
-              </a:ext>
-            </a:extLst>
-          </p:cNvPr>
-          <p:cNvSpPr/>
-          <p:nvPr/>
-        </p:nvSpPr>
-        <p:spPr>
-          <a:xfrm rot="10800000" flipH="1">
-            <a:off x="4860032" y="3859239"/>
-            <a:ext cx="288032" cy="240094"/>
-          </a:xfrm>
-          <a:prstGeom prst="bentUpArrow">
-            <a:avLst>
-              <a:gd name="adj1" fmla="val 2415"/>
-              <a:gd name="adj2" fmla="val 6007"/>
-              <a:gd name="adj3" fmla="val 15476"/>
-            </a:avLst>
-          </a:prstGeom>
-        </p:spPr>
-        <p:style>
-          <a:lnRef idx="2">
-            <a:schemeClr val="accent1">
-              <a:shade val="50000"/>
-            </a:schemeClr>
-          </a:lnRef>
-          <a:fillRef idx="1">
-            <a:schemeClr val="accent1"/>
-          </a:fillRef>
-          <a:effectRef idx="0">
-            <a:schemeClr val="accent1"/>
-          </a:effectRef>
-          <a:fontRef idx="minor">
-            <a:schemeClr val="lt1"/>
-          </a:fontRef>
-        </p:style>
-        <p:txBody>
-          <a:bodyPr rtlCol="0" anchor="ctr"/>
-          <a:lstStyle/>
-          <a:p>
-            <a:pPr algn="ctr"/>
-            <a:endParaRPr lang="pl-PL"/>
-          </a:p>
-        </p:txBody>
-      </p:sp>
-      <p:sp>
-        <p:nvSpPr>
-          <p:cNvPr id="8" name="Strzałka: wygięta w górę 7">
-            <a:extLst>
-              <a:ext uri="{FF2B5EF4-FFF2-40B4-BE49-F238E27FC236}">
-                <a16:creationId xmlns:a16="http://schemas.microsoft.com/office/drawing/2014/main" id="{86547591-5909-4F7B-B7B2-1CA9FC5AAE39}"/>
-              </a:ext>
-            </a:extLst>
-          </p:cNvPr>
-          <p:cNvSpPr/>
-          <p:nvPr/>
-        </p:nvSpPr>
-        <p:spPr>
-          <a:xfrm rot="16200000" flipH="1">
-            <a:off x="4879940" y="5185222"/>
-            <a:ext cx="296154" cy="240094"/>
-          </a:xfrm>
-          <a:prstGeom prst="bentUpArrow">
-            <a:avLst>
-              <a:gd name="adj1" fmla="val 2415"/>
-              <a:gd name="adj2" fmla="val 6007"/>
-              <a:gd name="adj3" fmla="val 15476"/>
-            </a:avLst>
-          </a:prstGeom>
-        </p:spPr>
-        <p:style>
-          <a:lnRef idx="2">
-            <a:schemeClr val="accent1">
-              <a:shade val="50000"/>
-            </a:schemeClr>
-          </a:lnRef>
-          <a:fillRef idx="1">
-            <a:schemeClr val="accent1"/>
-          </a:fillRef>
-          <a:effectRef idx="0">
-            <a:schemeClr val="accent1"/>
-          </a:effectRef>
-          <a:fontRef idx="minor">
-            <a:schemeClr val="lt1"/>
-          </a:fontRef>
-        </p:style>
-        <p:txBody>
-          <a:bodyPr rtlCol="0" anchor="ctr"/>
-          <a:lstStyle/>
-          <a:p>
-            <a:pPr algn="ctr"/>
-            <a:endParaRPr lang="pl-PL"/>
-          </a:p>
-        </p:txBody>
-      </p:sp>
-      <p:sp>
-        <p:nvSpPr>
-          <p:cNvPr id="9" name="Strzałka: wygięta w górę 8">
-            <a:extLst>
-              <a:ext uri="{FF2B5EF4-FFF2-40B4-BE49-F238E27FC236}">
-                <a16:creationId xmlns:a16="http://schemas.microsoft.com/office/drawing/2014/main" id="{179A4FB4-4744-4944-9695-97E0F8D8D92D}"/>
-              </a:ext>
-            </a:extLst>
-          </p:cNvPr>
-          <p:cNvSpPr/>
-          <p:nvPr/>
-        </p:nvSpPr>
-        <p:spPr>
-          <a:xfrm flipH="1">
-            <a:off x="4340290" y="5213252"/>
-            <a:ext cx="240094" cy="240094"/>
-          </a:xfrm>
-          <a:prstGeom prst="bentUpArrow">
-            <a:avLst>
-              <a:gd name="adj1" fmla="val 2415"/>
-              <a:gd name="adj2" fmla="val 6007"/>
-              <a:gd name="adj3" fmla="val 15476"/>
-            </a:avLst>
-          </a:prstGeom>
-        </p:spPr>
-        <p:style>
-          <a:lnRef idx="2">
-            <a:schemeClr val="accent1">
-              <a:shade val="50000"/>
-            </a:schemeClr>
-          </a:lnRef>
-          <a:fillRef idx="1">
-            <a:schemeClr val="accent1"/>
-          </a:fillRef>
-          <a:effectRef idx="0">
-            <a:schemeClr val="accent1"/>
-          </a:effectRef>
-          <a:fontRef idx="minor">
-            <a:schemeClr val="lt1"/>
-          </a:fontRef>
-        </p:style>
-        <p:txBody>
-          <a:bodyPr rtlCol="0" anchor="ctr"/>
-          <a:lstStyle/>
-          <a:p>
-            <a:pPr algn="ctr"/>
-            <a:endParaRPr lang="pl-PL"/>
-          </a:p>
-        </p:txBody>
-      </p:sp>
-    </p:spTree>
-    <p:extLst>
-      <p:ext uri="{BB962C8B-B14F-4D97-AF65-F5344CB8AC3E}">
-        <p14:creationId xmlns:p14="http://schemas.microsoft.com/office/powerpoint/2010/main" val="1192720652"/>
-      </p:ext>
-    </p:extLst>
-  </p:cSld>
-  <p:clrMapOvr>
-    <a:masterClrMapping/>
-  </p:clrMapOvr>
-</p:sld>
-</file>
-
-<file path=ppt/slides/slide15.xml><?xml version="1.0" encoding="utf-8"?>
-<p:sld xmlns:a="http://schemas.openxmlformats.org/drawingml/2006/main" xmlns:r="http://schemas.openxmlformats.org/officeDocument/2006/relationships" xmlns:p="http://schemas.openxmlformats.org/presentationml/2006/main">
-  <p:cSld>
-    <p:spTree>
-      <p:nvGrpSpPr>
-        <p:cNvPr id="1" name=""/>
-        <p:cNvGrpSpPr/>
-        <p:nvPr/>
-      </p:nvGrpSpPr>
-      <p:grpSpPr>
-        <a:xfrm>
-          <a:off x="0" y="0"/>
-          <a:ext cx="0" cy="0"/>
-          <a:chOff x="0" y="0"/>
-          <a:chExt cx="0" cy="0"/>
-        </a:xfrm>
-      </p:grpSpPr>
-      <p:sp>
-        <p:nvSpPr>
-          <p:cNvPr id="2" name="Tytuł 1">
-            <a:extLst>
-              <a:ext uri="{FF2B5EF4-FFF2-40B4-BE49-F238E27FC236}">
                 <a16:creationId xmlns:a16="http://schemas.microsoft.com/office/drawing/2014/main" id="{BBF6796F-BA40-4233-8D31-4B08177C22AD}"/>
               </a:ext>
             </a:extLst>
@@ -4732,7 +4608,7 @@
 </p:sld>
 </file>
 
-<file path=ppt/slides/slide16.xml><?xml version="1.0" encoding="utf-8"?>
+<file path=ppt/slides/slide15.xml><?xml version="1.0" encoding="utf-8"?>
 <p:sld xmlns:a="http://schemas.openxmlformats.org/drawingml/2006/main" xmlns:r="http://schemas.openxmlformats.org/officeDocument/2006/relationships" xmlns:p="http://schemas.openxmlformats.org/presentationml/2006/main">
   <p:cSld>
     <p:bg>
@@ -4786,7 +4662,7 @@
             <a:avLst/>
           </a:prstGeom>
           <a:solidFill>
-            <a:srgbClr val="66692B"/>
+            <a:srgbClr val="65682A"/>
           </a:solidFill>
           <a:ln>
             <a:noFill/>
@@ -4981,8 +4857,8 @@
         </p:blipFill>
         <p:spPr>
           <a:xfrm>
-            <a:off x="739344" y="640080"/>
-            <a:ext cx="3213834" cy="3291840"/>
+            <a:off x="747480" y="640080"/>
+            <a:ext cx="3197562" cy="3291840"/>
           </a:xfrm>
           <a:prstGeom prst="rect">
             <a:avLst/>
@@ -5011,8 +4887,8 @@
         </p:blipFill>
         <p:spPr>
           <a:xfrm>
-            <a:off x="4930773" y="1087185"/>
-            <a:ext cx="3730752" cy="2397629"/>
+            <a:off x="4930773" y="1421320"/>
+            <a:ext cx="3730752" cy="1729359"/>
           </a:xfrm>
           <a:prstGeom prst="rect">
             <a:avLst/>
@@ -5048,7 +4924,7 @@
             </a:pPr>
             <a:r>
               <a:rPr lang="en-US" sz="6000" dirty="0"/>
-              <a:t>Zadanie 8</a:t>
+              <a:t>Zadanie 7</a:t>
             </a:r>
           </a:p>
         </p:txBody>
@@ -5056,7 +4932,7 @@
     </p:spTree>
     <p:extLst>
       <p:ext uri="{BB962C8B-B14F-4D97-AF65-F5344CB8AC3E}">
-        <p14:creationId xmlns:p14="http://schemas.microsoft.com/office/powerpoint/2010/main" val="175686348"/>
+        <p14:creationId xmlns:p14="http://schemas.microsoft.com/office/powerpoint/2010/main" val="3925324499"/>
       </p:ext>
     </p:extLst>
   </p:cSld>
@@ -5066,7 +4942,7 @@
 </p:sld>
 </file>
 
-<file path=ppt/slides/slide17.xml><?xml version="1.0" encoding="utf-8"?>
+<file path=ppt/slides/slide16.xml><?xml version="1.0" encoding="utf-8"?>
 <p:sld xmlns:a="http://schemas.openxmlformats.org/drawingml/2006/main" xmlns:r="http://schemas.openxmlformats.org/officeDocument/2006/relationships" xmlns:p="http://schemas.openxmlformats.org/presentationml/2006/main">
   <p:cSld>
     <p:spTree>
@@ -5176,7 +5052,7 @@
 </p:sld>
 </file>
 
-<file path=ppt/slides/slide18.xml><?xml version="1.0" encoding="utf-8"?>
+<file path=ppt/slides/slide17.xml><?xml version="1.0" encoding="utf-8"?>
 <p:sld xmlns:a="http://schemas.openxmlformats.org/drawingml/2006/main" xmlns:r="http://schemas.openxmlformats.org/officeDocument/2006/relationships" xmlns:p="http://schemas.openxmlformats.org/presentationml/2006/main">
   <p:cSld>
     <p:bg>
@@ -5230,7 +5106,7 @@
             <a:avLst/>
           </a:prstGeom>
           <a:solidFill>
-            <a:srgbClr val="6E712C"/>
+            <a:srgbClr val="66692B"/>
           </a:solidFill>
           <a:ln>
             <a:noFill/>
@@ -5425,8 +5301,8 @@
         </p:blipFill>
         <p:spPr>
           <a:xfrm>
-            <a:off x="731993" y="640080"/>
-            <a:ext cx="3228535" cy="3291840"/>
+            <a:off x="739344" y="640080"/>
+            <a:ext cx="3213834" cy="3291840"/>
           </a:xfrm>
           <a:prstGeom prst="rect">
             <a:avLst/>
@@ -5455,8 +5331,8 @@
         </p:blipFill>
         <p:spPr>
           <a:xfrm>
-            <a:off x="4930773" y="1497879"/>
-            <a:ext cx="3730752" cy="1576242"/>
+            <a:off x="4930773" y="1087185"/>
+            <a:ext cx="3730752" cy="2397629"/>
           </a:xfrm>
           <a:prstGeom prst="rect">
             <a:avLst/>
@@ -5492,7 +5368,7 @@
             </a:pPr>
             <a:r>
               <a:rPr lang="en-US" sz="6000" dirty="0"/>
-              <a:t>Zadanie 9</a:t>
+              <a:t>Zadanie 8</a:t>
             </a:r>
           </a:p>
         </p:txBody>
@@ -5500,7 +5376,229 @@
     </p:spTree>
     <p:extLst>
       <p:ext uri="{BB962C8B-B14F-4D97-AF65-F5344CB8AC3E}">
-        <p14:creationId xmlns:p14="http://schemas.microsoft.com/office/powerpoint/2010/main" val="3697891887"/>
+        <p14:creationId xmlns:p14="http://schemas.microsoft.com/office/powerpoint/2010/main" val="175686348"/>
+      </p:ext>
+    </p:extLst>
+  </p:cSld>
+  <p:clrMapOvr>
+    <a:masterClrMapping/>
+  </p:clrMapOvr>
+</p:sld>
+</file>
+
+<file path=ppt/slides/slide18.xml><?xml version="1.0" encoding="utf-8"?>
+<p:sld xmlns:a="http://schemas.openxmlformats.org/drawingml/2006/main" xmlns:r="http://schemas.openxmlformats.org/officeDocument/2006/relationships" xmlns:p="http://schemas.openxmlformats.org/presentationml/2006/main">
+  <p:cSld>
+    <p:spTree>
+      <p:nvGrpSpPr>
+        <p:cNvPr id="1" name=""/>
+        <p:cNvGrpSpPr/>
+        <p:nvPr/>
+      </p:nvGrpSpPr>
+      <p:grpSpPr>
+        <a:xfrm>
+          <a:off x="0" y="0"/>
+          <a:ext cx="0" cy="0"/>
+          <a:chOff x="0" y="0"/>
+          <a:chExt cx="0" cy="0"/>
+        </a:xfrm>
+      </p:grpSpPr>
+      <p:sp>
+        <p:nvSpPr>
+          <p:cNvPr id="2" name="Tytuł 1">
+            <a:extLst>
+              <a:ext uri="{FF2B5EF4-FFF2-40B4-BE49-F238E27FC236}">
+                <a16:creationId xmlns:a16="http://schemas.microsoft.com/office/drawing/2014/main" id="{79427F14-5E64-49CD-8A1F-EA1359403CE0}"/>
+              </a:ext>
+            </a:extLst>
+          </p:cNvPr>
+          <p:cNvSpPr>
+            <a:spLocks noGrp="1"/>
+          </p:cNvSpPr>
+          <p:nvPr>
+            <p:ph type="title"/>
+          </p:nvPr>
+        </p:nvSpPr>
+        <p:spPr/>
+        <p:txBody>
+          <a:bodyPr/>
+          <a:lstStyle/>
+          <a:p>
+            <a:r>
+              <a:rPr lang="pl-PL" dirty="0"/>
+              <a:t>Zadanie 9</a:t>
+            </a:r>
+          </a:p>
+        </p:txBody>
+      </p:sp>
+      <p:sp>
+        <p:nvSpPr>
+          <p:cNvPr id="3" name="Symbol zastępczy zawartości 2">
+            <a:extLst>
+              <a:ext uri="{FF2B5EF4-FFF2-40B4-BE49-F238E27FC236}">
+                <a16:creationId xmlns:a16="http://schemas.microsoft.com/office/drawing/2014/main" id="{35D6A9C5-C51E-4BBA-BEEA-4820516263D9}"/>
+              </a:ext>
+            </a:extLst>
+          </p:cNvPr>
+          <p:cNvSpPr>
+            <a:spLocks noGrp="1"/>
+          </p:cNvSpPr>
+          <p:nvPr>
+            <p:ph idx="1"/>
+          </p:nvPr>
+        </p:nvSpPr>
+        <p:spPr/>
+        <p:txBody>
+          <a:bodyPr/>
+          <a:lstStyle/>
+          <a:p>
+            <a:r>
+              <a:rPr lang="pl-PL" dirty="0"/>
+              <a:t>Zwróćmy uwagę na to, jak wygląda najprostsza droga do celu</a:t>
+            </a:r>
+          </a:p>
+        </p:txBody>
+      </p:sp>
+      <p:pic>
+        <p:nvPicPr>
+          <p:cNvPr id="4" name="Symbol zastępczy zawartości 3">
+            <a:extLst>
+              <a:ext uri="{FF2B5EF4-FFF2-40B4-BE49-F238E27FC236}">
+                <a16:creationId xmlns:a16="http://schemas.microsoft.com/office/drawing/2014/main" id="{54D5E74B-458C-464E-B331-674AE01B99F1}"/>
+              </a:ext>
+            </a:extLst>
+          </p:cNvPr>
+          <p:cNvPicPr>
+            <a:picLocks noChangeAspect="1"/>
+          </p:cNvPicPr>
+          <p:nvPr/>
+        </p:nvPicPr>
+        <p:blipFill>
+          <a:blip r:embed="rId2" cstate="print">
+            <a:extLst>
+              <a:ext uri="{28A0092B-C50C-407E-A947-70E740481C1C}">
+                <a14:useLocalDpi xmlns:a14="http://schemas.microsoft.com/office/drawing/2010/main" val="0"/>
+              </a:ext>
+            </a:extLst>
+          </a:blip>
+          <a:stretch>
+            <a:fillRect/>
+          </a:stretch>
+        </p:blipFill>
+        <p:spPr>
+          <a:xfrm>
+            <a:off x="2957732" y="2834323"/>
+            <a:ext cx="3228535" cy="3291840"/>
+          </a:xfrm>
+          <a:prstGeom prst="rect">
+            <a:avLst/>
+          </a:prstGeom>
+        </p:spPr>
+      </p:pic>
+      <p:sp>
+        <p:nvSpPr>
+          <p:cNvPr id="5" name="Strzałka: wygięta w górę 4">
+            <a:extLst>
+              <a:ext uri="{FF2B5EF4-FFF2-40B4-BE49-F238E27FC236}">
+                <a16:creationId xmlns:a16="http://schemas.microsoft.com/office/drawing/2014/main" id="{4BC87754-199C-4F2B-A128-E3FFD90722D1}"/>
+              </a:ext>
+            </a:extLst>
+          </p:cNvPr>
+          <p:cNvSpPr/>
+          <p:nvPr/>
+        </p:nvSpPr>
+        <p:spPr>
+          <a:xfrm>
+            <a:off x="5364088" y="5257800"/>
+            <a:ext cx="199227" cy="240094"/>
+          </a:xfrm>
+          <a:prstGeom prst="bentUpArrow">
+            <a:avLst>
+              <a:gd name="adj1" fmla="val 2415"/>
+              <a:gd name="adj2" fmla="val 6007"/>
+              <a:gd name="adj3" fmla="val 15476"/>
+            </a:avLst>
+          </a:prstGeom>
+        </p:spPr>
+        <p:style>
+          <a:lnRef idx="2">
+            <a:schemeClr val="accent1">
+              <a:shade val="50000"/>
+            </a:schemeClr>
+          </a:lnRef>
+          <a:fillRef idx="1">
+            <a:schemeClr val="accent1"/>
+          </a:fillRef>
+          <a:effectRef idx="0">
+            <a:schemeClr val="accent1"/>
+          </a:effectRef>
+          <a:fontRef idx="minor">
+            <a:schemeClr val="lt1"/>
+          </a:fontRef>
+        </p:style>
+        <p:txBody>
+          <a:bodyPr rtlCol="0" anchor="ctr"/>
+          <a:lstStyle/>
+          <a:p>
+            <a:pPr algn="ctr"/>
+            <a:endParaRPr lang="pl-PL"/>
+          </a:p>
+        </p:txBody>
+      </p:sp>
+      <p:sp>
+        <p:nvSpPr>
+          <p:cNvPr id="6" name="Strzałka: wygięta w górę 5">
+            <a:extLst>
+              <a:ext uri="{FF2B5EF4-FFF2-40B4-BE49-F238E27FC236}">
+                <a16:creationId xmlns:a16="http://schemas.microsoft.com/office/drawing/2014/main" id="{ADF726DB-3E94-465B-B178-BCF22209207A}"/>
+              </a:ext>
+            </a:extLst>
+          </p:cNvPr>
+          <p:cNvSpPr/>
+          <p:nvPr/>
+        </p:nvSpPr>
+        <p:spPr>
+          <a:xfrm rot="16200000">
+            <a:off x="3987539" y="3581416"/>
+            <a:ext cx="936104" cy="2215448"/>
+          </a:xfrm>
+          <a:prstGeom prst="bentUpArrow">
+            <a:avLst>
+              <a:gd name="adj1" fmla="val 2415"/>
+              <a:gd name="adj2" fmla="val 2482"/>
+              <a:gd name="adj3" fmla="val 7420"/>
+            </a:avLst>
+          </a:prstGeom>
+        </p:spPr>
+        <p:style>
+          <a:lnRef idx="2">
+            <a:schemeClr val="accent1">
+              <a:shade val="50000"/>
+            </a:schemeClr>
+          </a:lnRef>
+          <a:fillRef idx="1">
+            <a:schemeClr val="accent1"/>
+          </a:fillRef>
+          <a:effectRef idx="0">
+            <a:schemeClr val="accent1"/>
+          </a:effectRef>
+          <a:fontRef idx="minor">
+            <a:schemeClr val="lt1"/>
+          </a:fontRef>
+        </p:style>
+        <p:txBody>
+          <a:bodyPr rtlCol="0" anchor="ctr"/>
+          <a:lstStyle/>
+          <a:p>
+            <a:pPr algn="ctr"/>
+            <a:endParaRPr lang="pl-PL"/>
+          </a:p>
+        </p:txBody>
+      </p:sp>
+    </p:spTree>
+    <p:extLst>
+      <p:ext uri="{BB962C8B-B14F-4D97-AF65-F5344CB8AC3E}">
+        <p14:creationId xmlns:p14="http://schemas.microsoft.com/office/powerpoint/2010/main" val="455528021"/>
       </p:ext>
     </p:extLst>
   </p:cSld>
@@ -5532,7 +5630,7 @@
           <p:cNvPr id="2" name="Tytuł 1">
             <a:extLst>
               <a:ext uri="{FF2B5EF4-FFF2-40B4-BE49-F238E27FC236}">
-                <a16:creationId xmlns:a16="http://schemas.microsoft.com/office/drawing/2014/main" id="{79427F14-5E64-49CD-8A1F-EA1359403CE0}"/>
+                <a16:creationId xmlns:a16="http://schemas.microsoft.com/office/drawing/2014/main" id="{16FC42E6-A930-4A2C-9C67-A08E143E1D14}"/>
               </a:ext>
             </a:extLst>
           </p:cNvPr>
@@ -5560,7 +5658,7 @@
           <p:cNvPr id="3" name="Symbol zastępczy zawartości 2">
             <a:extLst>
               <a:ext uri="{FF2B5EF4-FFF2-40B4-BE49-F238E27FC236}">
-                <a16:creationId xmlns:a16="http://schemas.microsoft.com/office/drawing/2014/main" id="{35D6A9C5-C51E-4BBA-BEEA-4820516263D9}"/>
+                <a16:creationId xmlns:a16="http://schemas.microsoft.com/office/drawing/2014/main" id="{6A62E177-5DCD-4077-B86A-F9417E7B9645}"/>
               </a:ext>
             </a:extLst>
           </p:cNvPr>
@@ -5578,151 +5676,37 @@
           <a:p>
             <a:r>
               <a:rPr lang="pl-PL" dirty="0"/>
-              <a:t>Zwróćmy uwagę na to, jak wygląda najprostsza droga do celu</a:t>
-            </a:r>
-          </a:p>
-        </p:txBody>
-      </p:sp>
-      <p:pic>
-        <p:nvPicPr>
-          <p:cNvPr id="4" name="Symbol zastępczy zawartości 3">
-            <a:extLst>
-              <a:ext uri="{FF2B5EF4-FFF2-40B4-BE49-F238E27FC236}">
-                <a16:creationId xmlns:a16="http://schemas.microsoft.com/office/drawing/2014/main" id="{54D5E74B-458C-464E-B331-674AE01B99F1}"/>
-              </a:ext>
-            </a:extLst>
-          </p:cNvPr>
-          <p:cNvPicPr>
-            <a:picLocks noChangeAspect="1"/>
-          </p:cNvPicPr>
-          <p:nvPr/>
-        </p:nvPicPr>
-        <p:blipFill>
-          <a:blip r:embed="rId2" cstate="print">
-            <a:extLst>
-              <a:ext uri="{28A0092B-C50C-407E-A947-70E740481C1C}">
-                <a14:useLocalDpi xmlns:a14="http://schemas.microsoft.com/office/drawing/2010/main" val="0"/>
-              </a:ext>
-            </a:extLst>
-          </a:blip>
-          <a:stretch>
-            <a:fillRect/>
-          </a:stretch>
-        </p:blipFill>
-        <p:spPr>
-          <a:xfrm>
-            <a:off x="2957732" y="2834323"/>
-            <a:ext cx="3228535" cy="3291840"/>
-          </a:xfrm>
-          <a:prstGeom prst="rect">
-            <a:avLst/>
-          </a:prstGeom>
-        </p:spPr>
-      </p:pic>
-      <p:sp>
-        <p:nvSpPr>
-          <p:cNvPr id="5" name="Strzałka: wygięta w górę 4">
-            <a:extLst>
-              <a:ext uri="{FF2B5EF4-FFF2-40B4-BE49-F238E27FC236}">
-                <a16:creationId xmlns:a16="http://schemas.microsoft.com/office/drawing/2014/main" id="{4BC87754-199C-4F2B-A128-E3FFD90722D1}"/>
-              </a:ext>
-            </a:extLst>
-          </p:cNvPr>
-          <p:cNvSpPr/>
-          <p:nvPr/>
-        </p:nvSpPr>
-        <p:spPr>
-          <a:xfrm>
-            <a:off x="5364088" y="5257800"/>
-            <a:ext cx="199227" cy="240094"/>
-          </a:xfrm>
-          <a:prstGeom prst="bentUpArrow">
-            <a:avLst>
-              <a:gd name="adj1" fmla="val 2415"/>
-              <a:gd name="adj2" fmla="val 6007"/>
-              <a:gd name="adj3" fmla="val 15476"/>
-            </a:avLst>
-          </a:prstGeom>
-        </p:spPr>
-        <p:style>
-          <a:lnRef idx="2">
-            <a:schemeClr val="accent1">
-              <a:shade val="50000"/>
-            </a:schemeClr>
-          </a:lnRef>
-          <a:fillRef idx="1">
-            <a:schemeClr val="accent1"/>
-          </a:fillRef>
-          <a:effectRef idx="0">
-            <a:schemeClr val="accent1"/>
-          </a:effectRef>
-          <a:fontRef idx="minor">
-            <a:schemeClr val="lt1"/>
-          </a:fontRef>
-        </p:style>
-        <p:txBody>
-          <a:bodyPr rtlCol="0" anchor="ctr"/>
-          <a:lstStyle/>
-          <a:p>
-            <a:pPr algn="ctr"/>
-            <a:endParaRPr lang="pl-PL"/>
-          </a:p>
-        </p:txBody>
-      </p:sp>
-      <p:sp>
-        <p:nvSpPr>
-          <p:cNvPr id="6" name="Strzałka: wygięta w górę 5">
-            <a:extLst>
-              <a:ext uri="{FF2B5EF4-FFF2-40B4-BE49-F238E27FC236}">
-                <a16:creationId xmlns:a16="http://schemas.microsoft.com/office/drawing/2014/main" id="{ADF726DB-3E94-465B-B178-BCF22209207A}"/>
-              </a:ext>
-            </a:extLst>
-          </p:cNvPr>
-          <p:cNvSpPr/>
-          <p:nvPr/>
-        </p:nvSpPr>
-        <p:spPr>
-          <a:xfrm rot="16200000">
-            <a:off x="3987539" y="3581416"/>
-            <a:ext cx="936104" cy="2215448"/>
-          </a:xfrm>
-          <a:prstGeom prst="bentUpArrow">
-            <a:avLst>
-              <a:gd name="adj1" fmla="val 2415"/>
-              <a:gd name="adj2" fmla="val 2482"/>
-              <a:gd name="adj3" fmla="val 7420"/>
-            </a:avLst>
-          </a:prstGeom>
-        </p:spPr>
-        <p:style>
-          <a:lnRef idx="2">
-            <a:schemeClr val="accent1">
-              <a:shade val="50000"/>
-            </a:schemeClr>
-          </a:lnRef>
-          <a:fillRef idx="1">
-            <a:schemeClr val="accent1"/>
-          </a:fillRef>
-          <a:effectRef idx="0">
-            <a:schemeClr val="accent1"/>
-          </a:effectRef>
-          <a:fontRef idx="minor">
-            <a:schemeClr val="lt1"/>
-          </a:fontRef>
-        </p:style>
-        <p:txBody>
-          <a:bodyPr rtlCol="0" anchor="ctr"/>
-          <a:lstStyle/>
-          <a:p>
-            <a:pPr algn="ctr"/>
-            <a:endParaRPr lang="pl-PL"/>
+              <a:t>Łatwo zauważyć, że jedyny skręt jaki wykonamy, to </a:t>
+            </a:r>
+            <a:r>
+              <a:rPr lang="pl-PL" b="1" dirty="0"/>
+              <a:t>skręt w lewo</a:t>
+            </a:r>
+          </a:p>
+          <a:p>
+            <a:r>
+              <a:rPr lang="pl-PL" dirty="0"/>
+              <a:t>Jednak nie chcemy skręcać zawsze, gdy ścieżka prowadzi w lewo</a:t>
+            </a:r>
+          </a:p>
+          <a:p>
+            <a:r>
+              <a:rPr lang="pl-PL" dirty="0"/>
+              <a:t>Skręcamy tylko wtedy, gdy nie możemy już iść prosto</a:t>
+            </a:r>
+          </a:p>
+          <a:p>
+            <a:r>
+              <a:rPr lang="pl-PL" dirty="0"/>
+              <a:t>Dlatego używamy pełnej instrukcji warunkowej</a:t>
+            </a:r>
           </a:p>
         </p:txBody>
       </p:sp>
     </p:spTree>
     <p:extLst>
       <p:ext uri="{BB962C8B-B14F-4D97-AF65-F5344CB8AC3E}">
-        <p14:creationId xmlns:p14="http://schemas.microsoft.com/office/powerpoint/2010/main" val="455528021"/>
+        <p14:creationId xmlns:p14="http://schemas.microsoft.com/office/powerpoint/2010/main" val="3622906950"/>
       </p:ext>
     </p:extLst>
   </p:cSld>
@@ -6069,6 +6053,14 @@
 <file path=ppt/slides/slide20.xml><?xml version="1.0" encoding="utf-8"?>
 <p:sld xmlns:a="http://schemas.openxmlformats.org/drawingml/2006/main" xmlns:r="http://schemas.openxmlformats.org/officeDocument/2006/relationships" xmlns:p="http://schemas.openxmlformats.org/presentationml/2006/main">
   <p:cSld>
+    <p:bg>
+      <p:bgPr>
+        <a:solidFill>
+          <a:schemeClr val="bg1"/>
+        </a:solidFill>
+        <a:effectLst/>
+      </p:bgPr>
+    </p:bg>
     <p:spTree>
       <p:nvGrpSpPr>
         <p:cNvPr id="1" name=""/>
@@ -6085,78 +6077,296 @@
       </p:grpSpPr>
       <p:sp>
         <p:nvSpPr>
-          <p:cNvPr id="2" name="Tytuł 1">
+          <p:cNvPr id="10" name="Rectangle 9">
             <a:extLst>
               <a:ext uri="{FF2B5EF4-FFF2-40B4-BE49-F238E27FC236}">
-                <a16:creationId xmlns:a16="http://schemas.microsoft.com/office/drawing/2014/main" id="{16FC42E6-A930-4A2C-9C67-A08E143E1D14}"/>
+                <a16:creationId xmlns:a16="http://schemas.microsoft.com/office/drawing/2014/main" id="{DAE885FA-583E-488C-A3B2-2647B84A8162}"/>
               </a:ext>
             </a:extLst>
           </p:cNvPr>
           <p:cNvSpPr>
-            <a:spLocks noGrp="1"/>
-          </p:cNvSpPr>
-          <p:nvPr>
-            <p:ph type="title"/>
-          </p:nvPr>
-        </p:nvSpPr>
-        <p:spPr/>
-        <p:txBody>
-          <a:bodyPr/>
-          <a:lstStyle/>
-          <a:p>
-            <a:r>
-              <a:rPr lang="pl-PL" dirty="0"/>
-              <a:t>Zadanie 9</a:t>
-            </a:r>
-          </a:p>
-        </p:txBody>
-      </p:sp>
-      <p:sp>
-        <p:nvSpPr>
-          <p:cNvPr id="3" name="Symbol zastępczy zawartości 2">
+            <a:spLocks noGrp="1" noRot="1" noChangeAspect="1" noMove="1" noResize="1" noEditPoints="1" noAdjustHandles="1" noChangeArrowheads="1" noChangeShapeType="1" noTextEdit="1"/>
+          </p:cNvSpPr>
+          <p:nvPr>
+            <p:extLst>
+              <p:ext uri="{386F3935-93C4-4BCD-93E2-E3B085C9AB24}">
+                <p16:designElem xmlns:p16="http://schemas.microsoft.com/office/powerpoint/2015/main" val="1"/>
+              </p:ext>
+            </p:extLst>
+          </p:nvPr>
+        </p:nvSpPr>
+        <p:spPr>
+          <a:xfrm>
+            <a:off x="0" y="0"/>
+            <a:ext cx="9144000" cy="4572000"/>
+          </a:xfrm>
+          <a:prstGeom prst="rect">
+            <a:avLst/>
+          </a:prstGeom>
+          <a:solidFill>
+            <a:srgbClr val="6E712C"/>
+          </a:solidFill>
+          <a:ln>
+            <a:noFill/>
+          </a:ln>
+        </p:spPr>
+        <p:style>
+          <a:lnRef idx="1">
+            <a:schemeClr val="accent1"/>
+          </a:lnRef>
+          <a:fillRef idx="3">
+            <a:schemeClr val="accent1"/>
+          </a:fillRef>
+          <a:effectRef idx="2">
+            <a:schemeClr val="accent1"/>
+          </a:effectRef>
+          <a:fontRef idx="minor">
+            <a:schemeClr val="lt1"/>
+          </a:fontRef>
+        </p:style>
+        <p:txBody>
+          <a:bodyPr rtlCol="0" anchor="ctr"/>
+          <a:lstStyle/>
+          <a:p>
+            <a:pPr algn="ctr"/>
+            <a:endParaRPr lang="en-US"/>
+          </a:p>
+        </p:txBody>
+      </p:sp>
+      <p:sp>
+        <p:nvSpPr>
+          <p:cNvPr id="12" name="Rounded Rectangle 26">
             <a:extLst>
               <a:ext uri="{FF2B5EF4-FFF2-40B4-BE49-F238E27FC236}">
-                <a16:creationId xmlns:a16="http://schemas.microsoft.com/office/drawing/2014/main" id="{6A62E177-5DCD-4077-B86A-F9417E7B9645}"/>
+                <a16:creationId xmlns:a16="http://schemas.microsoft.com/office/drawing/2014/main" id="{87B1CEC7-C2CE-4440-A0F7-0BE6B3AADB72}"/>
               </a:ext>
             </a:extLst>
           </p:cNvPr>
           <p:cNvSpPr>
-            <a:spLocks noGrp="1"/>
-          </p:cNvSpPr>
+            <a:spLocks noGrp="1" noRot="1" noChangeAspect="1" noMove="1" noResize="1" noEditPoints="1" noAdjustHandles="1" noChangeArrowheads="1" noChangeShapeType="1" noTextEdit="1"/>
+          </p:cNvSpPr>
+          <p:nvPr>
+            <p:extLst>
+              <p:ext uri="{386F3935-93C4-4BCD-93E2-E3B085C9AB24}">
+                <p16:designElem xmlns:p16="http://schemas.microsoft.com/office/powerpoint/2015/main" val="1"/>
+              </p:ext>
+            </p:extLst>
+          </p:nvPr>
+        </p:nvSpPr>
+        <p:spPr>
+          <a:xfrm>
+            <a:off x="241173" y="320843"/>
+            <a:ext cx="4210176" cy="3930315"/>
+          </a:xfrm>
+          <a:prstGeom prst="roundRect">
+            <a:avLst>
+              <a:gd name="adj" fmla="val 0"/>
+            </a:avLst>
+          </a:prstGeom>
+          <a:solidFill>
+            <a:srgbClr val="FFFFFF"/>
+          </a:solidFill>
+          <a:ln w="9525">
+            <a:solidFill>
+              <a:schemeClr val="bg2"/>
+            </a:solidFill>
+          </a:ln>
+          <a:effectLst>
+            <a:outerShdw blurRad="57150" dist="19050" dir="5400000" algn="t" rotWithShape="0">
+              <a:prstClr val="black">
+                <a:alpha val="63000"/>
+              </a:prstClr>
+            </a:outerShdw>
+          </a:effectLst>
+        </p:spPr>
+        <p:style>
+          <a:lnRef idx="2">
+            <a:schemeClr val="accent1">
+              <a:shade val="50000"/>
+            </a:schemeClr>
+          </a:lnRef>
+          <a:fillRef idx="1">
+            <a:schemeClr val="accent1"/>
+          </a:fillRef>
+          <a:effectRef idx="0">
+            <a:schemeClr val="accent1"/>
+          </a:effectRef>
+          <a:fontRef idx="minor">
+            <a:schemeClr val="lt1"/>
+          </a:fontRef>
+        </p:style>
+        <p:txBody>
+          <a:bodyPr rtlCol="0" anchor="ctr"/>
+          <a:lstStyle/>
+          <a:p>
+            <a:pPr algn="ctr"/>
+            <a:endParaRPr lang="en-US"/>
+          </a:p>
+        </p:txBody>
+      </p:sp>
+      <p:sp>
+        <p:nvSpPr>
+          <p:cNvPr id="14" name="Rounded Rectangle 16">
+            <a:extLst>
+              <a:ext uri="{FF2B5EF4-FFF2-40B4-BE49-F238E27FC236}">
+                <a16:creationId xmlns:a16="http://schemas.microsoft.com/office/drawing/2014/main" id="{7B0DBF0B-D7C2-4F15-94AE-315255824591}"/>
+              </a:ext>
+            </a:extLst>
+          </p:cNvPr>
+          <p:cNvSpPr>
+            <a:spLocks noGrp="1" noRot="1" noChangeAspect="1" noMove="1" noResize="1" noEditPoints="1" noAdjustHandles="1" noChangeArrowheads="1" noChangeShapeType="1" noTextEdit="1"/>
+          </p:cNvSpPr>
+          <p:nvPr>
+            <p:extLst>
+              <p:ext uri="{386F3935-93C4-4BCD-93E2-E3B085C9AB24}">
+                <p16:designElem xmlns:p16="http://schemas.microsoft.com/office/powerpoint/2015/main" val="1"/>
+              </p:ext>
+            </p:extLst>
+          </p:nvPr>
+        </p:nvSpPr>
+        <p:spPr>
+          <a:xfrm>
+            <a:off x="4691061" y="320843"/>
+            <a:ext cx="4210177" cy="3930315"/>
+          </a:xfrm>
+          <a:prstGeom prst="roundRect">
+            <a:avLst>
+              <a:gd name="adj" fmla="val 0"/>
+            </a:avLst>
+          </a:prstGeom>
+          <a:solidFill>
+            <a:srgbClr val="FFFFFF"/>
+          </a:solidFill>
+          <a:ln w="9525">
+            <a:solidFill>
+              <a:schemeClr val="bg2"/>
+            </a:solidFill>
+          </a:ln>
+          <a:effectLst>
+            <a:outerShdw blurRad="57150" dist="19050" dir="5400000" algn="t" rotWithShape="0">
+              <a:prstClr val="black">
+                <a:alpha val="63000"/>
+              </a:prstClr>
+            </a:outerShdw>
+          </a:effectLst>
+        </p:spPr>
+        <p:style>
+          <a:lnRef idx="2">
+            <a:schemeClr val="accent1">
+              <a:shade val="50000"/>
+            </a:schemeClr>
+          </a:lnRef>
+          <a:fillRef idx="1">
+            <a:schemeClr val="accent1"/>
+          </a:fillRef>
+          <a:effectRef idx="0">
+            <a:schemeClr val="accent1"/>
+          </a:effectRef>
+          <a:fontRef idx="minor">
+            <a:schemeClr val="lt1"/>
+          </a:fontRef>
+        </p:style>
+        <p:txBody>
+          <a:bodyPr rtlCol="0" anchor="ctr"/>
+          <a:lstStyle/>
+          <a:p>
+            <a:pPr algn="ctr"/>
+            <a:endParaRPr lang="en-US"/>
+          </a:p>
+        </p:txBody>
+      </p:sp>
+      <p:pic>
+        <p:nvPicPr>
+          <p:cNvPr id="4" name="Symbol zastępczy zawartości 3"/>
+          <p:cNvPicPr>
+            <a:picLocks noGrp="1" noChangeAspect="1"/>
+          </p:cNvPicPr>
           <p:nvPr>
             <p:ph idx="1"/>
           </p:nvPr>
-        </p:nvSpPr>
-        <p:spPr/>
-        <p:txBody>
-          <a:bodyPr/>
-          <a:lstStyle/>
-          <a:p>
-            <a:r>
-              <a:rPr lang="pl-PL" dirty="0"/>
-              <a:t>Łatwo zauważyć, że jedyny skręt jaki wykonamy, to </a:t>
-            </a:r>
-            <a:r>
-              <a:rPr lang="pl-PL" b="1" dirty="0"/>
-              <a:t>skręt w lewo</a:t>
-            </a:r>
-          </a:p>
-          <a:p>
-            <a:r>
-              <a:rPr lang="pl-PL" dirty="0"/>
-              <a:t>Jednak nie chcemy skręcać zawsze, gdy ścieżka prowadzi w lewo</a:t>
-            </a:r>
-          </a:p>
-          <a:p>
-            <a:r>
-              <a:rPr lang="pl-PL" dirty="0"/>
-              <a:t>Skręcamy tylko wtedy, gdy nie możemy już iść prosto</a:t>
-            </a:r>
-          </a:p>
-          <a:p>
-            <a:r>
-              <a:rPr lang="pl-PL" dirty="0"/>
-              <a:t>Dlatego używamy pełnej instrukcji warunkowej</a:t>
+        </p:nvPicPr>
+        <p:blipFill>
+          <a:blip r:embed="rId2" cstate="print">
+            <a:extLst>
+              <a:ext uri="{28A0092B-C50C-407E-A947-70E740481C1C}">
+                <a14:useLocalDpi xmlns:a14="http://schemas.microsoft.com/office/drawing/2010/main" val="0"/>
+              </a:ext>
+            </a:extLst>
+          </a:blip>
+          <a:stretch>
+            <a:fillRect/>
+          </a:stretch>
+        </p:blipFill>
+        <p:spPr>
+          <a:xfrm>
+            <a:off x="731993" y="640080"/>
+            <a:ext cx="3228535" cy="3291840"/>
+          </a:xfrm>
+          <a:prstGeom prst="rect">
+            <a:avLst/>
+          </a:prstGeom>
+        </p:spPr>
+      </p:pic>
+      <p:pic>
+        <p:nvPicPr>
+          <p:cNvPr id="5" name="Obraz 4"/>
+          <p:cNvPicPr>
+            <a:picLocks noChangeAspect="1"/>
+          </p:cNvPicPr>
+          <p:nvPr/>
+        </p:nvPicPr>
+        <p:blipFill>
+          <a:blip r:embed="rId3" cstate="print">
+            <a:extLst>
+              <a:ext uri="{28A0092B-C50C-407E-A947-70E740481C1C}">
+                <a14:useLocalDpi xmlns:a14="http://schemas.microsoft.com/office/drawing/2010/main" val="0"/>
+              </a:ext>
+            </a:extLst>
+          </a:blip>
+          <a:stretch>
+            <a:fillRect/>
+          </a:stretch>
+        </p:blipFill>
+        <p:spPr>
+          <a:xfrm>
+            <a:off x="4930773" y="1497879"/>
+            <a:ext cx="3730752" cy="1576242"/>
+          </a:xfrm>
+          <a:prstGeom prst="rect">
+            <a:avLst/>
+          </a:prstGeom>
+        </p:spPr>
+      </p:pic>
+      <p:sp>
+        <p:nvSpPr>
+          <p:cNvPr id="2" name="Tytuł 1"/>
+          <p:cNvSpPr>
+            <a:spLocks noGrp="1"/>
+          </p:cNvSpPr>
+          <p:nvPr>
+            <p:ph type="title"/>
+          </p:nvPr>
+        </p:nvSpPr>
+        <p:spPr>
+          <a:xfrm>
+            <a:off x="1143000" y="4642583"/>
+            <a:ext cx="6858000" cy="1099845"/>
+          </a:xfrm>
+        </p:spPr>
+        <p:txBody>
+          <a:bodyPr vert="horz" lIns="91440" tIns="45720" rIns="91440" bIns="45720" rtlCol="0" anchor="b">
+            <a:normAutofit/>
+          </a:bodyPr>
+          <a:lstStyle/>
+          <a:p>
+            <a:pPr>
+              <a:lnSpc>
+                <a:spcPct val="90000"/>
+              </a:lnSpc>
+            </a:pPr>
+            <a:r>
+              <a:rPr lang="en-US" sz="6000" dirty="0"/>
+              <a:t>Zadanie 9</a:t>
             </a:r>
           </a:p>
         </p:txBody>
@@ -6164,7 +6374,7 @@
     </p:spTree>
     <p:extLst>
       <p:ext uri="{BB962C8B-B14F-4D97-AF65-F5344CB8AC3E}">
-        <p14:creationId xmlns:p14="http://schemas.microsoft.com/office/powerpoint/2010/main" val="3622906950"/>
+        <p14:creationId xmlns:p14="http://schemas.microsoft.com/office/powerpoint/2010/main" val="3697891887"/>
       </p:ext>
     </p:extLst>
   </p:cSld>
@@ -6511,14 +6721,6 @@
 <file path=ppt/slides/slide4.xml><?xml version="1.0" encoding="utf-8"?>
 <p:sld xmlns:a="http://schemas.openxmlformats.org/drawingml/2006/main" xmlns:r="http://schemas.openxmlformats.org/officeDocument/2006/relationships" xmlns:p="http://schemas.openxmlformats.org/presentationml/2006/main">
   <p:cSld>
-    <p:bg>
-      <p:bgPr>
-        <a:solidFill>
-          <a:schemeClr val="bg1"/>
-        </a:solidFill>
-        <a:effectLst/>
-      </p:bgPr>
-    </p:bg>
     <p:spTree>
       <p:nvGrpSpPr>
         <p:cNvPr id="1" name=""/>
@@ -6535,306 +6737,78 @@
       </p:grpSpPr>
       <p:sp>
         <p:nvSpPr>
-          <p:cNvPr id="10" name="Rectangle 9">
-            <a:extLst>
-              <a:ext uri="{FF2B5EF4-FFF2-40B4-BE49-F238E27FC236}">
-                <a16:creationId xmlns:a16="http://schemas.microsoft.com/office/drawing/2014/main" id="{DAE885FA-583E-488C-A3B2-2647B84A8162}"/>
-              </a:ext>
-            </a:extLst>
-          </p:cNvPr>
-          <p:cNvSpPr>
-            <a:spLocks noGrp="1" noRot="1" noChangeAspect="1" noMove="1" noResize="1" noEditPoints="1" noAdjustHandles="1" noChangeArrowheads="1" noChangeShapeType="1" noTextEdit="1"/>
-          </p:cNvSpPr>
-          <p:nvPr>
-            <p:extLst>
-              <p:ext uri="{386F3935-93C4-4BCD-93E2-E3B085C9AB24}">
-                <p16:designElem xmlns:p16="http://schemas.microsoft.com/office/powerpoint/2015/main" val="1"/>
-              </p:ext>
-            </p:extLst>
-          </p:nvPr>
-        </p:nvSpPr>
-        <p:spPr>
-          <a:xfrm>
-            <a:off x="0" y="0"/>
-            <a:ext cx="9144000" cy="4572000"/>
-          </a:xfrm>
-          <a:prstGeom prst="rect">
-            <a:avLst/>
-          </a:prstGeom>
-          <a:solidFill>
-            <a:srgbClr val="585C26"/>
-          </a:solidFill>
-          <a:ln>
-            <a:noFill/>
-          </a:ln>
-        </p:spPr>
-        <p:style>
-          <a:lnRef idx="1">
-            <a:schemeClr val="accent1"/>
-          </a:lnRef>
-          <a:fillRef idx="3">
-            <a:schemeClr val="accent1"/>
-          </a:fillRef>
-          <a:effectRef idx="2">
-            <a:schemeClr val="accent1"/>
-          </a:effectRef>
-          <a:fontRef idx="minor">
-            <a:schemeClr val="lt1"/>
-          </a:fontRef>
-        </p:style>
-        <p:txBody>
-          <a:bodyPr rtlCol="0" anchor="ctr"/>
-          <a:lstStyle/>
-          <a:p>
-            <a:pPr algn="ctr"/>
-            <a:endParaRPr lang="en-US"/>
-          </a:p>
-        </p:txBody>
-      </p:sp>
-      <p:sp>
-        <p:nvSpPr>
-          <p:cNvPr id="12" name="Rounded Rectangle 26">
-            <a:extLst>
-              <a:ext uri="{FF2B5EF4-FFF2-40B4-BE49-F238E27FC236}">
-                <a16:creationId xmlns:a16="http://schemas.microsoft.com/office/drawing/2014/main" id="{87B1CEC7-C2CE-4440-A0F7-0BE6B3AADB72}"/>
-              </a:ext>
-            </a:extLst>
-          </p:cNvPr>
-          <p:cNvSpPr>
-            <a:spLocks noGrp="1" noRot="1" noChangeAspect="1" noMove="1" noResize="1" noEditPoints="1" noAdjustHandles="1" noChangeArrowheads="1" noChangeShapeType="1" noTextEdit="1"/>
-          </p:cNvSpPr>
-          <p:nvPr>
-            <p:extLst>
-              <p:ext uri="{386F3935-93C4-4BCD-93E2-E3B085C9AB24}">
-                <p16:designElem xmlns:p16="http://schemas.microsoft.com/office/powerpoint/2015/main" val="1"/>
-              </p:ext>
-            </p:extLst>
-          </p:nvPr>
-        </p:nvSpPr>
-        <p:spPr>
-          <a:xfrm>
-            <a:off x="241173" y="320843"/>
-            <a:ext cx="4210176" cy="3930315"/>
-          </a:xfrm>
-          <a:prstGeom prst="roundRect">
-            <a:avLst>
-              <a:gd name="adj" fmla="val 0"/>
-            </a:avLst>
-          </a:prstGeom>
-          <a:solidFill>
-            <a:srgbClr val="FFFFFF"/>
-          </a:solidFill>
-          <a:ln w="9525">
-            <a:solidFill>
-              <a:schemeClr val="bg2"/>
-            </a:solidFill>
-          </a:ln>
-          <a:effectLst>
-            <a:outerShdw blurRad="57150" dist="19050" dir="5400000" algn="t" rotWithShape="0">
-              <a:prstClr val="black">
-                <a:alpha val="63000"/>
-              </a:prstClr>
-            </a:outerShdw>
-          </a:effectLst>
-        </p:spPr>
-        <p:style>
-          <a:lnRef idx="2">
-            <a:schemeClr val="accent1">
-              <a:shade val="50000"/>
-            </a:schemeClr>
-          </a:lnRef>
-          <a:fillRef idx="1">
-            <a:schemeClr val="accent1"/>
-          </a:fillRef>
-          <a:effectRef idx="0">
-            <a:schemeClr val="accent1"/>
-          </a:effectRef>
-          <a:fontRef idx="minor">
-            <a:schemeClr val="lt1"/>
-          </a:fontRef>
-        </p:style>
-        <p:txBody>
-          <a:bodyPr rtlCol="0" anchor="ctr"/>
-          <a:lstStyle/>
-          <a:p>
-            <a:pPr algn="ctr"/>
-            <a:endParaRPr lang="en-US"/>
-          </a:p>
-        </p:txBody>
-      </p:sp>
-      <p:sp>
-        <p:nvSpPr>
-          <p:cNvPr id="14" name="Rounded Rectangle 16">
-            <a:extLst>
-              <a:ext uri="{FF2B5EF4-FFF2-40B4-BE49-F238E27FC236}">
-                <a16:creationId xmlns:a16="http://schemas.microsoft.com/office/drawing/2014/main" id="{7B0DBF0B-D7C2-4F15-94AE-315255824591}"/>
-              </a:ext>
-            </a:extLst>
-          </p:cNvPr>
-          <p:cNvSpPr>
-            <a:spLocks noGrp="1" noRot="1" noChangeAspect="1" noMove="1" noResize="1" noEditPoints="1" noAdjustHandles="1" noChangeArrowheads="1" noChangeShapeType="1" noTextEdit="1"/>
-          </p:cNvSpPr>
-          <p:nvPr>
-            <p:extLst>
-              <p:ext uri="{386F3935-93C4-4BCD-93E2-E3B085C9AB24}">
-                <p16:designElem xmlns:p16="http://schemas.microsoft.com/office/powerpoint/2015/main" val="1"/>
-              </p:ext>
-            </p:extLst>
-          </p:nvPr>
-        </p:nvSpPr>
-        <p:spPr>
-          <a:xfrm>
-            <a:off x="4691061" y="320843"/>
-            <a:ext cx="4210177" cy="3930315"/>
-          </a:xfrm>
-          <a:prstGeom prst="roundRect">
-            <a:avLst>
-              <a:gd name="adj" fmla="val 0"/>
-            </a:avLst>
-          </a:prstGeom>
-          <a:solidFill>
-            <a:srgbClr val="FFFFFF"/>
-          </a:solidFill>
-          <a:ln w="9525">
-            <a:solidFill>
-              <a:schemeClr val="bg2"/>
-            </a:solidFill>
-          </a:ln>
-          <a:effectLst>
-            <a:outerShdw blurRad="57150" dist="19050" dir="5400000" algn="t" rotWithShape="0">
-              <a:prstClr val="black">
-                <a:alpha val="63000"/>
-              </a:prstClr>
-            </a:outerShdw>
-          </a:effectLst>
-        </p:spPr>
-        <p:style>
-          <a:lnRef idx="2">
-            <a:schemeClr val="accent1">
-              <a:shade val="50000"/>
-            </a:schemeClr>
-          </a:lnRef>
-          <a:fillRef idx="1">
-            <a:schemeClr val="accent1"/>
-          </a:fillRef>
-          <a:effectRef idx="0">
-            <a:schemeClr val="accent1"/>
-          </a:effectRef>
-          <a:fontRef idx="minor">
-            <a:schemeClr val="lt1"/>
-          </a:fontRef>
-        </p:style>
-        <p:txBody>
-          <a:bodyPr rtlCol="0" anchor="ctr"/>
-          <a:lstStyle/>
-          <a:p>
-            <a:pPr algn="ctr"/>
-            <a:endParaRPr lang="en-US"/>
-          </a:p>
-        </p:txBody>
-      </p:sp>
-      <p:pic>
-        <p:nvPicPr>
-          <p:cNvPr id="4" name="Symbol zastępczy zawartości 3"/>
-          <p:cNvPicPr>
-            <a:picLocks noGrp="1" noChangeAspect="1"/>
-          </p:cNvPicPr>
+          <p:cNvPr id="2" name="Tytuł 1"/>
+          <p:cNvSpPr>
+            <a:spLocks noGrp="1"/>
+          </p:cNvSpPr>
+          <p:nvPr>
+            <p:ph type="title"/>
+          </p:nvPr>
+        </p:nvSpPr>
+        <p:spPr/>
+        <p:txBody>
+          <a:bodyPr/>
+          <a:lstStyle/>
+          <a:p>
+            <a:r>
+              <a:rPr lang="pl-PL" dirty="0"/>
+              <a:t>Zadanie 3</a:t>
+            </a:r>
+          </a:p>
+        </p:txBody>
+      </p:sp>
+      <p:sp>
+        <p:nvSpPr>
+          <p:cNvPr id="3" name="Symbol zastępczy zawartości 2"/>
+          <p:cNvSpPr>
+            <a:spLocks noGrp="1"/>
+          </p:cNvSpPr>
           <p:nvPr>
             <p:ph idx="1"/>
           </p:nvPr>
-        </p:nvPicPr>
-        <p:blipFill>
-          <a:blip r:embed="rId2" cstate="print">
-            <a:extLst>
-              <a:ext uri="{28A0092B-C50C-407E-A947-70E740481C1C}">
-                <a14:useLocalDpi xmlns:a14="http://schemas.microsoft.com/office/drawing/2010/main" val="0"/>
-              </a:ext>
-            </a:extLst>
-          </a:blip>
-          <a:stretch>
-            <a:fillRect/>
-          </a:stretch>
-        </p:blipFill>
-        <p:spPr>
-          <a:xfrm>
-            <a:off x="708312" y="640080"/>
-            <a:ext cx="3275898" cy="3291840"/>
-          </a:xfrm>
-          <a:prstGeom prst="rect">
-            <a:avLst/>
-          </a:prstGeom>
-        </p:spPr>
-      </p:pic>
-      <p:pic>
-        <p:nvPicPr>
-          <p:cNvPr id="5" name="Obraz 4"/>
-          <p:cNvPicPr>
-            <a:picLocks noChangeAspect="1"/>
-          </p:cNvPicPr>
-          <p:nvPr/>
-        </p:nvPicPr>
-        <p:blipFill>
-          <a:blip r:embed="rId3" cstate="print">
-            <a:extLst>
-              <a:ext uri="{28A0092B-C50C-407E-A947-70E740481C1C}">
-                <a14:useLocalDpi xmlns:a14="http://schemas.microsoft.com/office/drawing/2010/main" val="0"/>
-              </a:ext>
-            </a:extLst>
-          </a:blip>
-          <a:stretch>
-            <a:fillRect/>
-          </a:stretch>
-        </p:blipFill>
-        <p:spPr>
-          <a:xfrm>
-            <a:off x="4930773" y="1421362"/>
-            <a:ext cx="3730752" cy="1729275"/>
-          </a:xfrm>
-          <a:prstGeom prst="rect">
-            <a:avLst/>
-          </a:prstGeom>
-        </p:spPr>
-      </p:pic>
-      <p:sp>
-        <p:nvSpPr>
-          <p:cNvPr id="2" name="Tytuł 1"/>
-          <p:cNvSpPr>
-            <a:spLocks noGrp="1"/>
-          </p:cNvSpPr>
-          <p:nvPr>
-            <p:ph type="title"/>
-          </p:nvPr>
-        </p:nvSpPr>
-        <p:spPr>
-          <a:xfrm>
-            <a:off x="1143000" y="4642583"/>
-            <a:ext cx="6858000" cy="1099845"/>
-          </a:xfrm>
-        </p:spPr>
-        <p:txBody>
-          <a:bodyPr vert="horz" lIns="91440" tIns="45720" rIns="91440" bIns="45720" rtlCol="0" anchor="b">
-            <a:normAutofit/>
-          </a:bodyPr>
-          <a:lstStyle/>
-          <a:p>
-            <a:pPr>
-              <a:lnSpc>
-                <a:spcPct val="90000"/>
-              </a:lnSpc>
-            </a:pPr>
-            <a:r>
-              <a:rPr lang="en-US" sz="6000" dirty="0"/>
-              <a:t>Zadanie 3</a:t>
-            </a:r>
+        </p:nvSpPr>
+        <p:spPr/>
+        <p:txBody>
+          <a:bodyPr/>
+          <a:lstStyle/>
+          <a:p>
+            <a:r>
+              <a:rPr lang="pl-PL" dirty="0"/>
+              <a:t>Możemy wykorzystać jedynie 2 bloki</a:t>
+            </a:r>
+          </a:p>
+          <a:p>
+            <a:r>
+              <a:rPr lang="pl-PL" dirty="0"/>
+              <a:t>Jednak droga wymagałaby użycia instrukcji </a:t>
+            </a:r>
+            <a:r>
+              <a:rPr lang="pl-PL" i="1" dirty="0"/>
+              <a:t>idź naprzód</a:t>
+            </a:r>
+            <a:r>
+              <a:rPr lang="pl-PL" dirty="0"/>
+              <a:t> co najmniej 6 razy</a:t>
+            </a:r>
+          </a:p>
+          <a:p>
+            <a:r>
+              <a:rPr lang="pl-PL" dirty="0"/>
+              <a:t>Wymusza to zastosowanie </a:t>
+            </a:r>
+            <a:r>
+              <a:rPr lang="pl-PL" b="1" dirty="0"/>
+              <a:t>pętli</a:t>
+            </a:r>
+            <a:r>
+              <a:rPr lang="pl-PL" dirty="0"/>
+              <a:t> – struktury wymuszającej powtarzania instrukcji</a:t>
+            </a:r>
+            <a:endParaRPr lang="pl-PL" b="1" dirty="0"/>
           </a:p>
         </p:txBody>
       </p:sp>
     </p:spTree>
-    <p:extLst>
-      <p:ext uri="{BB962C8B-B14F-4D97-AF65-F5344CB8AC3E}">
-        <p14:creationId xmlns:p14="http://schemas.microsoft.com/office/powerpoint/2010/main" val="4264652787"/>
-      </p:ext>
-    </p:extLst>
   </p:cSld>
   <p:clrMapOvr>
     <a:masterClrMapping/>
@@ -6843,104 +6817,6 @@
 </file>
 
 <file path=ppt/slides/slide5.xml><?xml version="1.0" encoding="utf-8"?>
-<p:sld xmlns:a="http://schemas.openxmlformats.org/drawingml/2006/main" xmlns:r="http://schemas.openxmlformats.org/officeDocument/2006/relationships" xmlns:p="http://schemas.openxmlformats.org/presentationml/2006/main">
-  <p:cSld>
-    <p:spTree>
-      <p:nvGrpSpPr>
-        <p:cNvPr id="1" name=""/>
-        <p:cNvGrpSpPr/>
-        <p:nvPr/>
-      </p:nvGrpSpPr>
-      <p:grpSpPr>
-        <a:xfrm>
-          <a:off x="0" y="0"/>
-          <a:ext cx="0" cy="0"/>
-          <a:chOff x="0" y="0"/>
-          <a:chExt cx="0" cy="0"/>
-        </a:xfrm>
-      </p:grpSpPr>
-      <p:sp>
-        <p:nvSpPr>
-          <p:cNvPr id="2" name="Tytuł 1"/>
-          <p:cNvSpPr>
-            <a:spLocks noGrp="1"/>
-          </p:cNvSpPr>
-          <p:nvPr>
-            <p:ph type="title"/>
-          </p:nvPr>
-        </p:nvSpPr>
-        <p:spPr/>
-        <p:txBody>
-          <a:bodyPr/>
-          <a:lstStyle/>
-          <a:p>
-            <a:r>
-              <a:rPr lang="pl-PL" dirty="0"/>
-              <a:t>Zadanie 3</a:t>
-            </a:r>
-          </a:p>
-        </p:txBody>
-      </p:sp>
-      <p:sp>
-        <p:nvSpPr>
-          <p:cNvPr id="3" name="Symbol zastępczy zawartości 2"/>
-          <p:cNvSpPr>
-            <a:spLocks noGrp="1"/>
-          </p:cNvSpPr>
-          <p:nvPr>
-            <p:ph idx="1"/>
-          </p:nvPr>
-        </p:nvSpPr>
-        <p:spPr/>
-        <p:txBody>
-          <a:bodyPr/>
-          <a:lstStyle/>
-          <a:p>
-            <a:r>
-              <a:rPr lang="pl-PL" dirty="0"/>
-              <a:t>Możemy wykorzystać jedynie 2 bloki</a:t>
-            </a:r>
-          </a:p>
-          <a:p>
-            <a:r>
-              <a:rPr lang="pl-PL" dirty="0"/>
-              <a:t>Jednak droga wymagałaby użycia instrukcji </a:t>
-            </a:r>
-            <a:r>
-              <a:rPr lang="pl-PL" i="1" dirty="0"/>
-              <a:t>idź naprzód</a:t>
-            </a:r>
-            <a:r>
-              <a:rPr lang="pl-PL" dirty="0"/>
-              <a:t> co najmniej 6 razy</a:t>
-            </a:r>
-          </a:p>
-          <a:p>
-            <a:r>
-              <a:rPr lang="pl-PL" dirty="0"/>
-              <a:t>Wymusza to zastosowanie </a:t>
-            </a:r>
-            <a:r>
-              <a:rPr lang="pl-PL" b="1" dirty="0"/>
-              <a:t>pętli</a:t>
-            </a:r>
-            <a:r>
-              <a:rPr lang="pl-PL" dirty="0"/>
-              <a:t> – struktury wymuszającej powtarzania instrukcji</a:t>
-            </a:r>
-            <a:endParaRPr lang="pl-PL" b="1" dirty="0"/>
-          </a:p>
-        </p:txBody>
-      </p:sp>
-    </p:spTree>
-  </p:cSld>
-  <p:clrMapOvr>
-    <a:masterClrMapping/>
-  </p:clrMapOvr>
-</p:sld>
-</file>
-
-<file path=ppt/slides/slide6.xml><?xml version="1.0" encoding="utf-8"?>
 <p:sld xmlns:a="http://schemas.openxmlformats.org/drawingml/2006/main" xmlns:r="http://schemas.openxmlformats.org/officeDocument/2006/relationships" xmlns:p="http://schemas.openxmlformats.org/presentationml/2006/main">
   <p:cSld>
     <p:bg>
@@ -6994,7 +6870,7 @@
             <a:avLst/>
           </a:prstGeom>
           <a:solidFill>
-            <a:srgbClr val="5D6029"/>
+            <a:srgbClr val="585C26"/>
           </a:solidFill>
           <a:ln>
             <a:noFill/>
@@ -7189,8 +7065,8 @@
         </p:blipFill>
         <p:spPr>
           <a:xfrm>
-            <a:off x="728104" y="640080"/>
-            <a:ext cx="3236314" cy="3291840"/>
+            <a:off x="708312" y="640080"/>
+            <a:ext cx="3275898" cy="3291840"/>
           </a:xfrm>
           <a:prstGeom prst="rect">
             <a:avLst/>
@@ -7219,8 +7095,8 @@
         </p:blipFill>
         <p:spPr>
           <a:xfrm>
-            <a:off x="4930773" y="1050905"/>
-            <a:ext cx="3730752" cy="2470190"/>
+            <a:off x="4930773" y="1421362"/>
+            <a:ext cx="3730752" cy="1729275"/>
           </a:xfrm>
           <a:prstGeom prst="rect">
             <a:avLst/>
@@ -7256,7 +7132,7 @@
             </a:pPr>
             <a:r>
               <a:rPr lang="en-US" sz="6000" dirty="0"/>
-              <a:t>Zadanie 4</a:t>
+              <a:t>Zadanie 3</a:t>
             </a:r>
           </a:p>
         </p:txBody>
@@ -7264,7 +7140,7 @@
     </p:spTree>
     <p:extLst>
       <p:ext uri="{BB962C8B-B14F-4D97-AF65-F5344CB8AC3E}">
-        <p14:creationId xmlns:p14="http://schemas.microsoft.com/office/powerpoint/2010/main" val="1173590864"/>
+        <p14:creationId xmlns:p14="http://schemas.microsoft.com/office/powerpoint/2010/main" val="4264652787"/>
       </p:ext>
     </p:extLst>
   </p:cSld>
@@ -7274,7 +7150,7 @@
 </p:sld>
 </file>
 
-<file path=ppt/slides/slide7.xml><?xml version="1.0" encoding="utf-8"?>
+<file path=ppt/slides/slide6.xml><?xml version="1.0" encoding="utf-8"?>
 <p:sld xmlns:a="http://schemas.openxmlformats.org/drawingml/2006/main" xmlns:r="http://schemas.openxmlformats.org/officeDocument/2006/relationships" xmlns:p="http://schemas.openxmlformats.org/presentationml/2006/main">
   <p:cSld>
     <p:spTree>
@@ -7355,7 +7231,7 @@
 </p:sld>
 </file>
 
-<file path=ppt/slides/slide8.xml><?xml version="1.0" encoding="utf-8"?>
+<file path=ppt/slides/slide7.xml><?xml version="1.0" encoding="utf-8"?>
 <p:sld xmlns:a="http://schemas.openxmlformats.org/drawingml/2006/main" xmlns:r="http://schemas.openxmlformats.org/officeDocument/2006/relationships" xmlns:p="http://schemas.openxmlformats.org/presentationml/2006/main">
   <p:cSld>
     <p:bg>
@@ -8288,7 +8164,7 @@
 </p:sld>
 </file>
 
-<file path=ppt/slides/slide9.xml><?xml version="1.0" encoding="utf-8"?>
+<file path=ppt/slides/slide8.xml><?xml version="1.0" encoding="utf-8"?>
 <p:sld xmlns:a="http://schemas.openxmlformats.org/drawingml/2006/main" xmlns:r="http://schemas.openxmlformats.org/officeDocument/2006/relationships" xmlns:p="http://schemas.openxmlformats.org/presentationml/2006/main">
   <p:cSld>
     <p:bg>
@@ -8342,7 +8218,7 @@
             <a:avLst/>
           </a:prstGeom>
           <a:solidFill>
-            <a:srgbClr val="626529"/>
+            <a:srgbClr val="5D6029"/>
           </a:solidFill>
           <a:ln>
             <a:noFill/>
@@ -8537,8 +8413,8 @@
         </p:blipFill>
         <p:spPr>
           <a:xfrm>
-            <a:off x="732070" y="640080"/>
-            <a:ext cx="3228382" cy="3291840"/>
+            <a:off x="728104" y="640080"/>
+            <a:ext cx="3236314" cy="3291840"/>
           </a:xfrm>
           <a:prstGeom prst="rect">
             <a:avLst/>
@@ -8567,8 +8443,8 @@
         </p:blipFill>
         <p:spPr>
           <a:xfrm>
-            <a:off x="4930773" y="673842"/>
-            <a:ext cx="3730752" cy="3224315"/>
+            <a:off x="4930773" y="1050905"/>
+            <a:ext cx="3730752" cy="2470190"/>
           </a:xfrm>
           <a:prstGeom prst="rect">
             <a:avLst/>
@@ -8604,7 +8480,7 @@
             </a:pPr>
             <a:r>
               <a:rPr lang="en-US" sz="6000" dirty="0"/>
-              <a:t>Zadanie 5</a:t>
+              <a:t>Zadanie 4</a:t>
             </a:r>
           </a:p>
         </p:txBody>
@@ -8612,9 +8488,129 @@
     </p:spTree>
     <p:extLst>
       <p:ext uri="{BB962C8B-B14F-4D97-AF65-F5344CB8AC3E}">
-        <p14:creationId xmlns:p14="http://schemas.microsoft.com/office/powerpoint/2010/main" val="4161051816"/>
+        <p14:creationId xmlns:p14="http://schemas.microsoft.com/office/powerpoint/2010/main" val="1173590864"/>
       </p:ext>
     </p:extLst>
+  </p:cSld>
+  <p:clrMapOvr>
+    <a:masterClrMapping/>
+  </p:clrMapOvr>
+</p:sld>
+</file>
+
+<file path=ppt/slides/slide9.xml><?xml version="1.0" encoding="utf-8"?>
+<p:sld xmlns:a="http://schemas.openxmlformats.org/drawingml/2006/main" xmlns:r="http://schemas.openxmlformats.org/officeDocument/2006/relationships" xmlns:p="http://schemas.openxmlformats.org/presentationml/2006/main">
+  <p:cSld>
+    <p:spTree>
+      <p:nvGrpSpPr>
+        <p:cNvPr id="1" name=""/>
+        <p:cNvGrpSpPr/>
+        <p:nvPr/>
+      </p:nvGrpSpPr>
+      <p:grpSpPr>
+        <a:xfrm>
+          <a:off x="0" y="0"/>
+          <a:ext cx="0" cy="0"/>
+          <a:chOff x="0" y="0"/>
+          <a:chExt cx="0" cy="0"/>
+        </a:xfrm>
+      </p:grpSpPr>
+      <p:sp>
+        <p:nvSpPr>
+          <p:cNvPr id="2" name="Tytuł 1"/>
+          <p:cNvSpPr>
+            <a:spLocks noGrp="1"/>
+          </p:cNvSpPr>
+          <p:nvPr>
+            <p:ph type="title"/>
+          </p:nvPr>
+        </p:nvSpPr>
+        <p:spPr/>
+        <p:txBody>
+          <a:bodyPr/>
+          <a:lstStyle/>
+          <a:p>
+            <a:r>
+              <a:rPr lang="pl-PL" dirty="0"/>
+              <a:t>Zadanie 5</a:t>
+            </a:r>
+          </a:p>
+        </p:txBody>
+      </p:sp>
+      <p:sp>
+        <p:nvSpPr>
+          <p:cNvPr id="3" name="Symbol zastępczy zawartości 2"/>
+          <p:cNvSpPr>
+            <a:spLocks noGrp="1"/>
+          </p:cNvSpPr>
+          <p:nvPr>
+            <p:ph idx="1"/>
+          </p:nvPr>
+        </p:nvSpPr>
+        <p:spPr/>
+        <p:txBody>
+          <a:bodyPr>
+            <a:normAutofit fontScale="92500" lnSpcReduction="20000"/>
+          </a:bodyPr>
+          <a:lstStyle/>
+          <a:p>
+            <a:r>
+              <a:rPr lang="pl-PL" dirty="0"/>
+              <a:t>Możemy zauważyć, że fragment drogi można przejść powtarzając instrukcję </a:t>
+            </a:r>
+            <a:r>
+              <a:rPr lang="pl-PL" i="1" dirty="0"/>
+              <a:t>idź naprzód</a:t>
+            </a:r>
+            <a:endParaRPr lang="pl-PL" dirty="0"/>
+          </a:p>
+          <a:p>
+            <a:r>
+              <a:rPr lang="pl-PL" dirty="0"/>
+              <a:t>Jednak najpierw musimy dotrzeć do tego fragmentu</a:t>
+            </a:r>
+          </a:p>
+          <a:p>
+            <a:r>
+              <a:rPr lang="pl-PL" dirty="0"/>
+              <a:t>Co robimy przy pomocy dwóch instrukcji </a:t>
+            </a:r>
+            <a:r>
+              <a:rPr lang="pl-PL" i="1" dirty="0"/>
+              <a:t>idź naprzód </a:t>
+            </a:r>
+            <a:r>
+              <a:rPr lang="pl-PL" dirty="0"/>
+              <a:t>i instrukcji </a:t>
+            </a:r>
+            <a:r>
+              <a:rPr lang="pl-PL" i="1" dirty="0"/>
+              <a:t>skręć w lewo</a:t>
+            </a:r>
+          </a:p>
+          <a:p>
+            <a:r>
+              <a:rPr lang="pl-PL" dirty="0"/>
+              <a:t>Zauważmy, że zapis algorytmu składa się z dwóch części: </a:t>
+            </a:r>
+          </a:p>
+          <a:p>
+            <a:pPr lvl="1"/>
+            <a:r>
+              <a:rPr lang="pl-PL" sz="3200" dirty="0"/>
+              <a:t>Pierwszej – liniowej</a:t>
+            </a:r>
+          </a:p>
+          <a:p>
+            <a:pPr lvl="1"/>
+            <a:r>
+              <a:rPr lang="pl-PL" sz="3200" dirty="0"/>
+              <a:t>Drugiej – pętli</a:t>
+            </a:r>
+          </a:p>
+        </p:txBody>
+      </p:sp>
+    </p:spTree>
   </p:cSld>
   <p:clrMapOvr>
     <a:masterClrMapping/>
